--- a/Proyecto/Presentación Proyecto SL1 surizar2.pptx
+++ b/Proyecto/Presentación Proyecto SL1 surizar2.pptx
@@ -9,21 +9,22 @@
     <p:sldId id="261" r:id="rId3"/>
     <p:sldId id="257" r:id="rId4"/>
     <p:sldId id="262" r:id="rId5"/>
-    <p:sldId id="258" r:id="rId6"/>
-    <p:sldId id="259" r:id="rId7"/>
-    <p:sldId id="260" r:id="rId8"/>
-    <p:sldId id="263" r:id="rId9"/>
-    <p:sldId id="264" r:id="rId10"/>
-    <p:sldId id="265" r:id="rId11"/>
-    <p:sldId id="266" r:id="rId12"/>
-    <p:sldId id="267" r:id="rId13"/>
-    <p:sldId id="268" r:id="rId14"/>
-    <p:sldId id="269" r:id="rId15"/>
-    <p:sldId id="270" r:id="rId16"/>
-    <p:sldId id="271" r:id="rId17"/>
-    <p:sldId id="272" r:id="rId18"/>
-    <p:sldId id="273" r:id="rId19"/>
-    <p:sldId id="274" r:id="rId20"/>
+    <p:sldId id="275" r:id="rId6"/>
+    <p:sldId id="258" r:id="rId7"/>
+    <p:sldId id="259" r:id="rId8"/>
+    <p:sldId id="260" r:id="rId9"/>
+    <p:sldId id="263" r:id="rId10"/>
+    <p:sldId id="264" r:id="rId11"/>
+    <p:sldId id="265" r:id="rId12"/>
+    <p:sldId id="266" r:id="rId13"/>
+    <p:sldId id="267" r:id="rId14"/>
+    <p:sldId id="268" r:id="rId15"/>
+    <p:sldId id="269" r:id="rId16"/>
+    <p:sldId id="270" r:id="rId17"/>
+    <p:sldId id="271" r:id="rId18"/>
+    <p:sldId id="272" r:id="rId19"/>
+    <p:sldId id="273" r:id="rId20"/>
+    <p:sldId id="274" r:id="rId21"/>
   </p:sldIdLst>
   <p:sldSz cx="12192000" cy="6858000"/>
   <p:notesSz cx="6858000" cy="9144000"/>
@@ -122,6 +123,11 @@
       </a:defRPr>
     </a:lvl9pPr>
   </p:defaultTextStyle>
+  <p:extLst>
+    <p:ext uri="{EFAFB233-063F-42B5-8137-9DF3F51BA10A}">
+      <p15:sldGuideLst xmlns:p15="http://schemas.microsoft.com/office/powerpoint/2012/main"/>
+    </p:ext>
+  </p:extLst>
 </p:presentation>
 </file>
 
@@ -7753,10 +7759,129 @@
   <p:clrMapOvr>
     <a:masterClrMapping/>
   </p:clrMapOvr>
+  <mc:AlternateContent xmlns:mc="http://schemas.openxmlformats.org/markup-compatibility/2006">
+    <mc:Choice xmlns:p14="http://schemas.microsoft.com/office/powerpoint/2010/main" Requires="p14">
+      <p:transition p14:dur="0"/>
+    </mc:Choice>
+    <mc:Fallback>
+      <p:transition/>
+    </mc:Fallback>
+  </mc:AlternateContent>
+  <p:timing>
+    <p:tnLst>
+      <p:par>
+        <p:cTn id="1" dur="indefinite" restart="never" nodeType="tmRoot"/>
+      </p:par>
+    </p:tnLst>
+  </p:timing>
 </p:sld>
 </file>
 
 <file path=ppt/slides/slide10.xml><?xml version="1.0" encoding="utf-8"?>
+<p:sld xmlns:a="http://schemas.openxmlformats.org/drawingml/2006/main" xmlns:r="http://schemas.openxmlformats.org/officeDocument/2006/relationships" xmlns:p="http://schemas.openxmlformats.org/presentationml/2006/main">
+  <p:cSld>
+    <p:spTree>
+      <p:nvGrpSpPr>
+        <p:cNvPr id="1" name=""/>
+        <p:cNvGrpSpPr/>
+        <p:nvPr/>
+      </p:nvGrpSpPr>
+      <p:grpSpPr>
+        <a:xfrm>
+          <a:off x="0" y="0"/>
+          <a:ext cx="0" cy="0"/>
+          <a:chOff x="0" y="0"/>
+          <a:chExt cx="0" cy="0"/>
+        </a:xfrm>
+      </p:grpSpPr>
+      <p:sp>
+        <p:nvSpPr>
+          <p:cNvPr id="2" name="Título 1"/>
+          <p:cNvSpPr>
+            <a:spLocks noGrp="1"/>
+          </p:cNvSpPr>
+          <p:nvPr>
+            <p:ph type="title"/>
+          </p:nvPr>
+        </p:nvSpPr>
+        <p:spPr/>
+        <p:txBody>
+          <a:bodyPr/>
+          <a:lstStyle/>
+          <a:p>
+            <a:r>
+              <a:rPr lang="es-US" dirty="0" smtClean="0"/>
+              <a:t>Metodología a implementar</a:t>
+            </a:r>
+            <a:endParaRPr lang="es-US" dirty="0"/>
+          </a:p>
+        </p:txBody>
+      </p:sp>
+      <p:sp>
+        <p:nvSpPr>
+          <p:cNvPr id="3" name="Marcador de contenido 2"/>
+          <p:cNvSpPr>
+            <a:spLocks noGrp="1"/>
+          </p:cNvSpPr>
+          <p:nvPr>
+            <p:ph idx="1"/>
+          </p:nvPr>
+        </p:nvSpPr>
+        <p:spPr/>
+        <p:txBody>
+          <a:bodyPr/>
+          <a:lstStyle/>
+          <a:p>
+            <a:r>
+              <a:rPr lang="es-US" dirty="0" smtClean="0"/>
+              <a:t>Estandarización de datos</a:t>
+            </a:r>
+          </a:p>
+          <a:p>
+            <a:r>
+              <a:rPr lang="es-US" dirty="0" smtClean="0"/>
+              <a:t>Set de entrenamiento y pruebas</a:t>
+            </a:r>
+          </a:p>
+          <a:p>
+            <a:r>
+              <a:rPr lang="es-US" dirty="0" smtClean="0"/>
+              <a:t>Modelo KNN</a:t>
+            </a:r>
+          </a:p>
+          <a:p>
+            <a:r>
+              <a:rPr lang="es-US" dirty="0" err="1" smtClean="0"/>
+              <a:t>XValidation</a:t>
+            </a:r>
+            <a:endParaRPr lang="es-US" dirty="0"/>
+          </a:p>
+        </p:txBody>
+      </p:sp>
+    </p:spTree>
+    <p:extLst>
+      <p:ext uri="{BB962C8B-B14F-4D97-AF65-F5344CB8AC3E}">
+        <p14:creationId xmlns:p14="http://schemas.microsoft.com/office/powerpoint/2010/main" val="1632307224"/>
+      </p:ext>
+    </p:extLst>
+  </p:cSld>
+  <p:clrMapOvr>
+    <a:masterClrMapping/>
+  </p:clrMapOvr>
+  <p:transition spd="slow">
+    <p:wipe/>
+  </p:transition>
+  <p:timing>
+    <p:tnLst>
+      <p:par>
+        <p:cTn id="1" dur="indefinite" restart="never" nodeType="tmRoot"/>
+      </p:par>
+    </p:tnLst>
+  </p:timing>
+</p:sld>
+</file>
+
+<file path=ppt/slides/slide11.xml><?xml version="1.0" encoding="utf-8"?>
 <p:sld xmlns:a="http://schemas.openxmlformats.org/drawingml/2006/main" xmlns:r="http://schemas.openxmlformats.org/officeDocument/2006/relationships" xmlns:p="http://schemas.openxmlformats.org/presentationml/2006/main">
   <p:cSld>
     <p:spTree>
@@ -7832,90 +7957,16 @@
   <p:clrMapOvr>
     <a:masterClrMapping/>
   </p:clrMapOvr>
-</p:sld>
-</file>
-
-<file path=ppt/slides/slide11.xml><?xml version="1.0" encoding="utf-8"?>
-<p:sld xmlns:a="http://schemas.openxmlformats.org/drawingml/2006/main" xmlns:r="http://schemas.openxmlformats.org/officeDocument/2006/relationships" xmlns:p="http://schemas.openxmlformats.org/presentationml/2006/main">
-  <p:cSld>
-    <p:spTree>
-      <p:nvGrpSpPr>
-        <p:cNvPr id="1" name=""/>
-        <p:cNvGrpSpPr/>
-        <p:nvPr/>
-      </p:nvGrpSpPr>
-      <p:grpSpPr>
-        <a:xfrm>
-          <a:off x="0" y="0"/>
-          <a:ext cx="0" cy="0"/>
-          <a:chOff x="0" y="0"/>
-          <a:chExt cx="0" cy="0"/>
-        </a:xfrm>
-      </p:grpSpPr>
-      <p:sp>
-        <p:nvSpPr>
-          <p:cNvPr id="2" name="Título 1"/>
-          <p:cNvSpPr>
-            <a:spLocks noGrp="1"/>
-          </p:cNvSpPr>
-          <p:nvPr>
-            <p:ph type="title"/>
-          </p:nvPr>
-        </p:nvSpPr>
-        <p:spPr/>
-        <p:txBody>
-          <a:bodyPr/>
-          <a:lstStyle/>
-          <a:p>
-            <a:r>
-              <a:rPr lang="es-US" dirty="0" smtClean="0"/>
-              <a:t>Set de entrenamiento y pruebas</a:t>
-            </a:r>
-            <a:endParaRPr lang="es-US" dirty="0"/>
-          </a:p>
-        </p:txBody>
-      </p:sp>
-      <p:sp>
-        <p:nvSpPr>
-          <p:cNvPr id="3" name="Marcador de contenido 2"/>
-          <p:cNvSpPr>
-            <a:spLocks noGrp="1"/>
-          </p:cNvSpPr>
-          <p:nvPr>
-            <p:ph idx="1"/>
-          </p:nvPr>
-        </p:nvSpPr>
-        <p:spPr/>
-        <p:txBody>
-          <a:bodyPr/>
-          <a:lstStyle/>
-          <a:p>
-            <a:r>
-              <a:rPr lang="es-US" dirty="0" smtClean="0"/>
-              <a:t>Se dividió el </a:t>
-            </a:r>
-            <a:r>
-              <a:rPr lang="es-US" dirty="0" err="1" smtClean="0"/>
-              <a:t>dataset</a:t>
-            </a:r>
-            <a:r>
-              <a:rPr lang="es-US" dirty="0" smtClean="0"/>
-              <a:t> completo en 50% para entrenamiento y 50% para pruebas</a:t>
-            </a:r>
-            <a:endParaRPr lang="es-US" dirty="0"/>
-          </a:p>
-        </p:txBody>
-      </p:sp>
-    </p:spTree>
-    <p:extLst>
-      <p:ext uri="{BB962C8B-B14F-4D97-AF65-F5344CB8AC3E}">
-        <p14:creationId xmlns:p14="http://schemas.microsoft.com/office/powerpoint/2010/main" val="1356338973"/>
-      </p:ext>
-    </p:extLst>
-  </p:cSld>
-  <p:clrMapOvr>
-    <a:masterClrMapping/>
-  </p:clrMapOvr>
+  <p:transition spd="slow">
+    <p:push dir="u"/>
+  </p:transition>
+  <p:timing>
+    <p:tnLst>
+      <p:par>
+        <p:cTn id="1" dur="indefinite" restart="never" nodeType="tmRoot"/>
+      </p:par>
+    </p:tnLst>
+  </p:timing>
 </p:sld>
 </file>
 
@@ -7953,7 +8004,7 @@
           <a:p>
             <a:r>
               <a:rPr lang="es-US" dirty="0" smtClean="0"/>
-              <a:t>Método de ML a utilizar</a:t>
+              <a:t>Set de entrenamiento y pruebas</a:t>
             </a:r>
             <a:endParaRPr lang="es-US" dirty="0"/>
           </a:p>
@@ -7976,23 +8027,15 @@
           <a:p>
             <a:r>
               <a:rPr lang="es-US" dirty="0" smtClean="0"/>
-              <a:t>Se utilizó el método KNN</a:t>
-            </a:r>
-          </a:p>
-          <a:p>
+              <a:t>Se dividió el </a:t>
+            </a:r>
+            <a:r>
+              <a:rPr lang="es-US" dirty="0" err="1" smtClean="0"/>
+              <a:t>dataset</a:t>
+            </a:r>
             <a:r>
               <a:rPr lang="es-US" dirty="0" smtClean="0"/>
-              <a:t>Se utilizaron distintos valores de K</a:t>
-            </a:r>
-          </a:p>
-          <a:p>
-            <a:r>
-              <a:rPr lang="es-US" dirty="0" smtClean="0"/>
-              <a:t>Se determinó el valor de K que maximiza el </a:t>
-            </a:r>
-            <a:r>
-              <a:rPr lang="es-US" dirty="0" err="1" smtClean="0"/>
-              <a:t>accuracy</a:t>
+              <a:t> completo en 50% para entrenamiento y 50% para pruebas</a:t>
             </a:r>
             <a:endParaRPr lang="es-US" dirty="0"/>
           </a:p>
@@ -8001,13 +8044,32 @@
     </p:spTree>
     <p:extLst>
       <p:ext uri="{BB962C8B-B14F-4D97-AF65-F5344CB8AC3E}">
-        <p14:creationId xmlns:p14="http://schemas.microsoft.com/office/powerpoint/2010/main" val="503554128"/>
+        <p14:creationId xmlns:p14="http://schemas.microsoft.com/office/powerpoint/2010/main" val="1356338973"/>
       </p:ext>
     </p:extLst>
   </p:cSld>
   <p:clrMapOvr>
     <a:masterClrMapping/>
   </p:clrMapOvr>
+  <mc:AlternateContent xmlns:mc="http://schemas.openxmlformats.org/markup-compatibility/2006">
+    <mc:Choice xmlns:p14="http://schemas.microsoft.com/office/powerpoint/2010/main" Requires="p14">
+      <p:transition spd="slow" p14:dur="1500">
+        <p:split orient="vert"/>
+      </p:transition>
+    </mc:Choice>
+    <mc:Fallback>
+      <p:transition spd="slow">
+        <p:split orient="vert"/>
+      </p:transition>
+    </mc:Fallback>
+  </mc:AlternateContent>
+  <p:timing>
+    <p:tnLst>
+      <p:par>
+        <p:cTn id="1" dur="indefinite" restart="never" nodeType="tmRoot"/>
+      </p:par>
+    </p:tnLst>
+  </p:timing>
 </p:sld>
 </file>
 
@@ -8045,6 +8107,135 @@
           <a:p>
             <a:r>
               <a:rPr lang="es-US" dirty="0" smtClean="0"/>
+              <a:t>Método de ML a utilizar</a:t>
+            </a:r>
+            <a:endParaRPr lang="es-US" dirty="0"/>
+          </a:p>
+        </p:txBody>
+      </p:sp>
+      <p:sp>
+        <p:nvSpPr>
+          <p:cNvPr id="3" name="Marcador de contenido 2"/>
+          <p:cNvSpPr>
+            <a:spLocks noGrp="1"/>
+          </p:cNvSpPr>
+          <p:nvPr>
+            <p:ph idx="1"/>
+          </p:nvPr>
+        </p:nvSpPr>
+        <p:spPr/>
+        <p:txBody>
+          <a:bodyPr/>
+          <a:lstStyle/>
+          <a:p>
+            <a:r>
+              <a:rPr lang="es-US" dirty="0" smtClean="0"/>
+              <a:t>Se utilizó el método KNN</a:t>
+            </a:r>
+          </a:p>
+          <a:p>
+            <a:endParaRPr lang="es-US" dirty="0"/>
+          </a:p>
+        </p:txBody>
+      </p:sp>
+      <p:pic>
+        <p:nvPicPr>
+          <p:cNvPr id="1028" name="Picture 4" descr="K-Nearest Neighbor(KNN) Algorithm for Machine Learning - Javatpoint"/>
+          <p:cNvPicPr>
+            <a:picLocks noChangeAspect="1" noChangeArrowheads="1"/>
+          </p:cNvPicPr>
+          <p:nvPr/>
+        </p:nvPicPr>
+        <p:blipFill>
+          <a:blip r:embed="rId2">
+            <a:extLst>
+              <a:ext uri="{28A0092B-C50C-407E-A947-70E740481C1C}">
+                <a14:useLocalDpi xmlns:a14="http://schemas.microsoft.com/office/drawing/2010/main" val="0"/>
+              </a:ext>
+            </a:extLst>
+          </a:blip>
+          <a:srcRect/>
+          <a:stretch>
+            <a:fillRect/>
+          </a:stretch>
+        </p:blipFill>
+        <p:spPr bwMode="auto">
+          <a:xfrm>
+            <a:off x="3804467" y="2593661"/>
+            <a:ext cx="5715000" cy="2857500"/>
+          </a:xfrm>
+          <a:prstGeom prst="rect">
+            <a:avLst/>
+          </a:prstGeom>
+          <a:noFill/>
+          <a:extLst>
+            <a:ext uri="{909E8E84-426E-40DD-AFC4-6F175D3DCCD1}">
+              <a14:hiddenFill xmlns:a14="http://schemas.microsoft.com/office/drawing/2010/main">
+                <a:solidFill>
+                  <a:srgbClr val="FFFFFF"/>
+                </a:solidFill>
+              </a14:hiddenFill>
+            </a:ext>
+          </a:extLst>
+        </p:spPr>
+      </p:pic>
+    </p:spTree>
+    <p:extLst>
+      <p:ext uri="{BB962C8B-B14F-4D97-AF65-F5344CB8AC3E}">
+        <p14:creationId xmlns:p14="http://schemas.microsoft.com/office/powerpoint/2010/main" val="503554128"/>
+      </p:ext>
+    </p:extLst>
+  </p:cSld>
+  <p:clrMapOvr>
+    <a:masterClrMapping/>
+  </p:clrMapOvr>
+  <p:transition spd="slow">
+    <p:wipe/>
+  </p:transition>
+  <p:timing>
+    <p:tnLst>
+      <p:par>
+        <p:cTn id="1" dur="indefinite" restart="never" nodeType="tmRoot"/>
+      </p:par>
+    </p:tnLst>
+  </p:timing>
+</p:sld>
+</file>
+
+<file path=ppt/slides/slide14.xml><?xml version="1.0" encoding="utf-8"?>
+<p:sld xmlns:a="http://schemas.openxmlformats.org/drawingml/2006/main" xmlns:r="http://schemas.openxmlformats.org/officeDocument/2006/relationships" xmlns:p="http://schemas.openxmlformats.org/presentationml/2006/main">
+  <p:cSld>
+    <p:spTree>
+      <p:nvGrpSpPr>
+        <p:cNvPr id="1" name=""/>
+        <p:cNvGrpSpPr/>
+        <p:nvPr/>
+      </p:nvGrpSpPr>
+      <p:grpSpPr>
+        <a:xfrm>
+          <a:off x="0" y="0"/>
+          <a:ext cx="0" cy="0"/>
+          <a:chOff x="0" y="0"/>
+          <a:chExt cx="0" cy="0"/>
+        </a:xfrm>
+      </p:grpSpPr>
+      <p:sp>
+        <p:nvSpPr>
+          <p:cNvPr id="2" name="Título 1"/>
+          <p:cNvSpPr>
+            <a:spLocks noGrp="1"/>
+          </p:cNvSpPr>
+          <p:nvPr>
+            <p:ph type="title"/>
+          </p:nvPr>
+        </p:nvSpPr>
+        <p:spPr/>
+        <p:txBody>
+          <a:bodyPr/>
+          <a:lstStyle/>
+          <a:p>
+            <a:r>
+              <a:rPr lang="es-US" dirty="0" smtClean="0"/>
               <a:t>X </a:t>
             </a:r>
             <a:r>
@@ -8104,10 +8295,20 @@
   <p:clrMapOvr>
     <a:masterClrMapping/>
   </p:clrMapOvr>
+  <p:transition spd="slow">
+    <p:wipe/>
+  </p:transition>
+  <p:timing>
+    <p:tnLst>
+      <p:par>
+        <p:cTn id="1" dur="indefinite" restart="never" nodeType="tmRoot"/>
+      </p:par>
+    </p:tnLst>
+  </p:timing>
 </p:sld>
 </file>
 
-<file path=ppt/slides/slide14.xml><?xml version="1.0" encoding="utf-8"?>
+<file path=ppt/slides/slide15.xml><?xml version="1.0" encoding="utf-8"?>
 <p:sld xmlns:a="http://schemas.openxmlformats.org/drawingml/2006/main" xmlns:r="http://schemas.openxmlformats.org/officeDocument/2006/relationships" xmlns:p="http://schemas.openxmlformats.org/presentationml/2006/main">
   <p:cSld>
     <p:spTree>
@@ -8183,10 +8384,20 @@
   <p:clrMapOvr>
     <a:masterClrMapping/>
   </p:clrMapOvr>
+  <p:transition spd="slow">
+    <p:push dir="u"/>
+  </p:transition>
+  <p:timing>
+    <p:tnLst>
+      <p:par>
+        <p:cTn id="1" dur="indefinite" restart="never" nodeType="tmRoot"/>
+      </p:par>
+    </p:tnLst>
+  </p:timing>
 </p:sld>
 </file>
 
-<file path=ppt/slides/slide15.xml><?xml version="1.0" encoding="utf-8"?>
+<file path=ppt/slides/slide16.xml><?xml version="1.0" encoding="utf-8"?>
 <p:sld xmlns:a="http://schemas.openxmlformats.org/drawingml/2006/main" xmlns:r="http://schemas.openxmlformats.org/officeDocument/2006/relationships" xmlns:p="http://schemas.openxmlformats.org/presentationml/2006/main">
   <p:cSld>
     <p:spTree>
@@ -8262,96 +8473,16 @@
   <p:clrMapOvr>
     <a:masterClrMapping/>
   </p:clrMapOvr>
-</p:sld>
-</file>
-
-<file path=ppt/slides/slide16.xml><?xml version="1.0" encoding="utf-8"?>
-<p:sld xmlns:a="http://schemas.openxmlformats.org/drawingml/2006/main" xmlns:r="http://schemas.openxmlformats.org/officeDocument/2006/relationships" xmlns:p="http://schemas.openxmlformats.org/presentationml/2006/main">
-  <p:cSld>
-    <p:spTree>
-      <p:nvGrpSpPr>
-        <p:cNvPr id="1" name=""/>
-        <p:cNvGrpSpPr/>
-        <p:nvPr/>
-      </p:nvGrpSpPr>
-      <p:grpSpPr>
-        <a:xfrm>
-          <a:off x="0" y="0"/>
-          <a:ext cx="0" cy="0"/>
-          <a:chOff x="0" y="0"/>
-          <a:chExt cx="0" cy="0"/>
-        </a:xfrm>
-      </p:grpSpPr>
-      <p:sp>
-        <p:nvSpPr>
-          <p:cNvPr id="2" name="Título 1"/>
-          <p:cNvSpPr>
-            <a:spLocks noGrp="1"/>
-          </p:cNvSpPr>
-          <p:nvPr>
-            <p:ph type="title"/>
-          </p:nvPr>
-        </p:nvSpPr>
-        <p:spPr/>
-        <p:txBody>
-          <a:bodyPr/>
-          <a:lstStyle/>
-          <a:p>
-            <a:r>
-              <a:rPr lang="es-US" dirty="0" smtClean="0"/>
-              <a:t>Resultados</a:t>
-            </a:r>
-            <a:endParaRPr lang="es-US" dirty="0"/>
-          </a:p>
-        </p:txBody>
-      </p:sp>
-      <p:sp>
-        <p:nvSpPr>
-          <p:cNvPr id="3" name="Marcador de contenido 2"/>
-          <p:cNvSpPr>
-            <a:spLocks noGrp="1"/>
-          </p:cNvSpPr>
-          <p:nvPr>
-            <p:ph idx="1"/>
-          </p:nvPr>
-        </p:nvSpPr>
-        <p:spPr/>
-        <p:txBody>
-          <a:bodyPr/>
-          <a:lstStyle/>
-          <a:p>
-            <a:r>
-              <a:rPr lang="es-US" dirty="0" err="1" smtClean="0"/>
-              <a:t>Accuracy</a:t>
-            </a:r>
-            <a:r>
-              <a:rPr lang="es-US" dirty="0" smtClean="0"/>
-              <a:t> máximo para modelo sin estandarizar: 0.71, k = 1</a:t>
-            </a:r>
-          </a:p>
-          <a:p>
-            <a:r>
-              <a:rPr lang="es-US" dirty="0" err="1" smtClean="0"/>
-              <a:t>Accuracy</a:t>
-            </a:r>
-            <a:r>
-              <a:rPr lang="es-US" dirty="0" smtClean="0"/>
-              <a:t> máximo para modelo estandarizado: 0.96 k = 17</a:t>
-            </a:r>
-            <a:endParaRPr lang="es-US" dirty="0"/>
-          </a:p>
-        </p:txBody>
-      </p:sp>
-    </p:spTree>
-    <p:extLst>
-      <p:ext uri="{BB962C8B-B14F-4D97-AF65-F5344CB8AC3E}">
-        <p14:creationId xmlns:p14="http://schemas.microsoft.com/office/powerpoint/2010/main" val="285350445"/>
-      </p:ext>
-    </p:extLst>
-  </p:cSld>
-  <p:clrMapOvr>
-    <a:masterClrMapping/>
-  </p:clrMapOvr>
+  <p:transition spd="slow">
+    <p:push dir="u"/>
+  </p:transition>
+  <p:timing>
+    <p:tnLst>
+      <p:par>
+        <p:cTn id="1" dur="indefinite" restart="never" nodeType="tmRoot"/>
+      </p:par>
+    </p:tnLst>
+  </p:timing>
 </p:sld>
 </file>
 
@@ -8389,7 +8520,7 @@
           <a:p>
             <a:r>
               <a:rPr lang="es-US" dirty="0" smtClean="0"/>
-              <a:t>Conclusiones</a:t>
+              <a:t>Resultados</a:t>
             </a:r>
             <a:endParaRPr lang="es-US" dirty="0"/>
           </a:p>
@@ -8411,28 +8542,22 @@
           <a:lstStyle/>
           <a:p>
             <a:r>
+              <a:rPr lang="es-US" dirty="0" err="1" smtClean="0"/>
+              <a:t>Accuracy</a:t>
+            </a:r>
+            <a:r>
               <a:rPr lang="es-US" dirty="0" smtClean="0"/>
-              <a:t>El modelo KNN fue eficiente para clasificar los vinos</a:t>
-            </a:r>
-          </a:p>
-          <a:p>
+              <a:t> máximo para modelo sin estandarizar: 0.71, k = 1</a:t>
+            </a:r>
+          </a:p>
+          <a:p>
+            <a:r>
+              <a:rPr lang="es-US" dirty="0" err="1" smtClean="0"/>
+              <a:t>Accuracy</a:t>
+            </a:r>
             <a:r>
               <a:rPr lang="es-US" dirty="0" smtClean="0"/>
-              <a:t>El </a:t>
-            </a:r>
-            <a:r>
-              <a:rPr lang="es-US" dirty="0" err="1" smtClean="0"/>
-              <a:t>accuracy</a:t>
-            </a:r>
-            <a:r>
-              <a:rPr lang="es-US" dirty="0" smtClean="0"/>
-              <a:t> máximo obtenido fue de 0.96, para k = 17</a:t>
-            </a:r>
-          </a:p>
-          <a:p>
-            <a:r>
-              <a:rPr lang="es-US" dirty="0" smtClean="0"/>
-              <a:t>La estandarización de los datos permitió obtener mejores resultados</a:t>
+              <a:t> máximo para modelo estandarizado: 0.96 k = 17</a:t>
             </a:r>
             <a:endParaRPr lang="es-US" dirty="0"/>
           </a:p>
@@ -8441,13 +8566,23 @@
     </p:spTree>
     <p:extLst>
       <p:ext uri="{BB962C8B-B14F-4D97-AF65-F5344CB8AC3E}">
-        <p14:creationId xmlns:p14="http://schemas.microsoft.com/office/powerpoint/2010/main" val="3504010074"/>
+        <p14:creationId xmlns:p14="http://schemas.microsoft.com/office/powerpoint/2010/main" val="285350445"/>
       </p:ext>
     </p:extLst>
   </p:cSld>
   <p:clrMapOvr>
     <a:masterClrMapping/>
   </p:clrMapOvr>
+  <p:transition spd="slow">
+    <p:push dir="u"/>
+  </p:transition>
+  <p:timing>
+    <p:tnLst>
+      <p:par>
+        <p:cTn id="1" dur="indefinite" restart="never" nodeType="tmRoot"/>
+      </p:par>
+    </p:tnLst>
+  </p:timing>
 </p:sld>
 </file>
 
@@ -8485,7 +8620,7 @@
           <a:p>
             <a:r>
               <a:rPr lang="es-US" dirty="0" smtClean="0"/>
-              <a:t>Recomendaciones</a:t>
+              <a:t>Conclusiones</a:t>
             </a:r>
             <a:endParaRPr lang="es-US" dirty="0"/>
           </a:p>
@@ -8508,13 +8643,13 @@
           <a:p>
             <a:r>
               <a:rPr lang="es-US" dirty="0" smtClean="0"/>
-              <a:t>Obtener más muestras para evitar sobreestimación</a:t>
+              <a:t>El modelo KNN fue eficiente para clasificar los vinos</a:t>
             </a:r>
           </a:p>
           <a:p>
             <a:r>
               <a:rPr lang="es-US" dirty="0" smtClean="0"/>
-              <a:t>Analizar el patrón periódico en el </a:t>
+              <a:t>El </a:t>
             </a:r>
             <a:r>
               <a:rPr lang="es-US" dirty="0" err="1" smtClean="0"/>
@@ -8522,13 +8657,13 @@
             </a:r>
             <a:r>
               <a:rPr lang="es-US" dirty="0" smtClean="0"/>
-              <a:t> para el modelo estandarizado</a:t>
+              <a:t> máximo obtenido fue de 0.96, para k = 17</a:t>
             </a:r>
           </a:p>
           <a:p>
             <a:r>
               <a:rPr lang="es-US" dirty="0" smtClean="0"/>
-              <a:t>Comparar los resultados con otros modelos</a:t>
+              <a:t>La estandarización de los datos permitió obtener mejores resultados</a:t>
             </a:r>
             <a:endParaRPr lang="es-US" dirty="0"/>
           </a:p>
@@ -8537,13 +8672,23 @@
     </p:spTree>
     <p:extLst>
       <p:ext uri="{BB962C8B-B14F-4D97-AF65-F5344CB8AC3E}">
-        <p14:creationId xmlns:p14="http://schemas.microsoft.com/office/powerpoint/2010/main" val="1094664304"/>
+        <p14:creationId xmlns:p14="http://schemas.microsoft.com/office/powerpoint/2010/main" val="3504010074"/>
       </p:ext>
     </p:extLst>
   </p:cSld>
   <p:clrMapOvr>
     <a:masterClrMapping/>
   </p:clrMapOvr>
+  <p:transition spd="slow">
+    <p:wipe/>
+  </p:transition>
+  <p:timing>
+    <p:tnLst>
+      <p:par>
+        <p:cTn id="1" dur="indefinite" restart="never" nodeType="tmRoot"/>
+      </p:par>
+    </p:tnLst>
+  </p:timing>
 </p:sld>
 </file>
 
@@ -8581,7 +8726,7 @@
           <a:p>
             <a:r>
               <a:rPr lang="es-US" dirty="0" smtClean="0"/>
-              <a:t>Mayor información</a:t>
+              <a:t>Recomendaciones</a:t>
             </a:r>
             <a:endParaRPr lang="es-US" dirty="0"/>
           </a:p>
@@ -8604,34 +8749,28 @@
           <a:p>
             <a:r>
               <a:rPr lang="es-US" dirty="0" smtClean="0"/>
-              <a:t>Enlace para visualización de análisis completo:</a:t>
-            </a:r>
-          </a:p>
-          <a:p>
-            <a:endParaRPr lang="es-US" dirty="0"/>
-          </a:p>
-          <a:p>
-            <a:endParaRPr lang="es-US" dirty="0" smtClean="0"/>
-          </a:p>
-          <a:p>
-            <a:endParaRPr lang="es-US" dirty="0"/>
-          </a:p>
-          <a:p>
-            <a:r>
-              <a:rPr lang="es-US" dirty="0">
-                <a:hlinkClick r:id="rId2"/>
-              </a:rPr>
-              <a:t>https://</a:t>
-            </a:r>
-            <a:r>
-              <a:rPr lang="es-US" dirty="0" smtClean="0">
-                <a:hlinkClick r:id="rId2"/>
-              </a:rPr>
-              <a:t>github.com/surizar2/Statistical-Learning/tree/main/Proyecto</a:t>
-            </a:r>
-            <a:endParaRPr lang="es-US" dirty="0" smtClean="0"/>
-          </a:p>
-          <a:p>
+              <a:t>Obtener más muestras para evitar sobreestimación</a:t>
+            </a:r>
+          </a:p>
+          <a:p>
+            <a:r>
+              <a:rPr lang="es-US" dirty="0" smtClean="0"/>
+              <a:t>Analizar el patrón periódico en el </a:t>
+            </a:r>
+            <a:r>
+              <a:rPr lang="es-US" dirty="0" err="1" smtClean="0"/>
+              <a:t>accuracy</a:t>
+            </a:r>
+            <a:r>
+              <a:rPr lang="es-US" dirty="0" smtClean="0"/>
+              <a:t> para el modelo estandarizado</a:t>
+            </a:r>
+          </a:p>
+          <a:p>
+            <a:r>
+              <a:rPr lang="es-US" dirty="0" smtClean="0"/>
+              <a:t>Comparar los resultados con otros modelos</a:t>
+            </a:r>
             <a:endParaRPr lang="es-US" dirty="0"/>
           </a:p>
         </p:txBody>
@@ -8639,13 +8778,23 @@
     </p:spTree>
     <p:extLst>
       <p:ext uri="{BB962C8B-B14F-4D97-AF65-F5344CB8AC3E}">
-        <p14:creationId xmlns:p14="http://schemas.microsoft.com/office/powerpoint/2010/main" val="3806144133"/>
+        <p14:creationId xmlns:p14="http://schemas.microsoft.com/office/powerpoint/2010/main" val="1094664304"/>
       </p:ext>
     </p:extLst>
   </p:cSld>
   <p:clrMapOvr>
     <a:masterClrMapping/>
   </p:clrMapOvr>
+  <p:transition spd="slow">
+    <p:wipe/>
+  </p:transition>
+  <p:timing>
+    <p:tnLst>
+      <p:par>
+        <p:cTn id="1" dur="indefinite" restart="never" nodeType="tmRoot"/>
+      </p:par>
+    </p:tnLst>
+  </p:timing>
 </p:sld>
 </file>
 
@@ -8712,8 +8861,19 @@
           <a:p>
             <a:r>
               <a:rPr lang="es-US" dirty="0" smtClean="0"/>
-              <a:t>Descripción del problema</a:t>
-            </a:r>
+              <a:t>Descripción del </a:t>
+            </a:r>
+            <a:r>
+              <a:rPr lang="es-US" dirty="0" smtClean="0"/>
+              <a:t>problema</a:t>
+            </a:r>
+          </a:p>
+          <a:p>
+            <a:r>
+              <a:rPr lang="es-US" dirty="0" smtClean="0"/>
+              <a:t>Solución planteada</a:t>
+            </a:r>
+            <a:endParaRPr lang="es-US" dirty="0" smtClean="0"/>
           </a:p>
           <a:p>
             <a:r>
@@ -8748,8 +8908,9 @@
           <a:p>
             <a:r>
               <a:rPr lang="es-US" dirty="0" smtClean="0"/>
-              <a:t>Mayor información</a:t>
-            </a:r>
+              <a:t>Informe detallado</a:t>
+            </a:r>
+            <a:endParaRPr lang="es-US" dirty="0" smtClean="0"/>
           </a:p>
           <a:p>
             <a:endParaRPr lang="es-US" dirty="0"/>
@@ -8766,6 +8927,128 @@
   <p:clrMapOvr>
     <a:masterClrMapping/>
   </p:clrMapOvr>
+  <p:transition spd="slow">
+    <p:wipe/>
+  </p:transition>
+  <p:timing>
+    <p:tnLst>
+      <p:par>
+        <p:cTn id="1" dur="indefinite" restart="never" nodeType="tmRoot"/>
+      </p:par>
+    </p:tnLst>
+  </p:timing>
+</p:sld>
+</file>
+
+<file path=ppt/slides/slide20.xml><?xml version="1.0" encoding="utf-8"?>
+<p:sld xmlns:a="http://schemas.openxmlformats.org/drawingml/2006/main" xmlns:r="http://schemas.openxmlformats.org/officeDocument/2006/relationships" xmlns:p="http://schemas.openxmlformats.org/presentationml/2006/main">
+  <p:cSld>
+    <p:spTree>
+      <p:nvGrpSpPr>
+        <p:cNvPr id="1" name=""/>
+        <p:cNvGrpSpPr/>
+        <p:nvPr/>
+      </p:nvGrpSpPr>
+      <p:grpSpPr>
+        <a:xfrm>
+          <a:off x="0" y="0"/>
+          <a:ext cx="0" cy="0"/>
+          <a:chOff x="0" y="0"/>
+          <a:chExt cx="0" cy="0"/>
+        </a:xfrm>
+      </p:grpSpPr>
+      <p:sp>
+        <p:nvSpPr>
+          <p:cNvPr id="2" name="Título 1"/>
+          <p:cNvSpPr>
+            <a:spLocks noGrp="1"/>
+          </p:cNvSpPr>
+          <p:nvPr>
+            <p:ph type="title"/>
+          </p:nvPr>
+        </p:nvSpPr>
+        <p:spPr/>
+        <p:txBody>
+          <a:bodyPr/>
+          <a:lstStyle/>
+          <a:p>
+            <a:r>
+              <a:rPr lang="es-US" dirty="0" smtClean="0"/>
+              <a:t>Informe detallado</a:t>
+            </a:r>
+            <a:endParaRPr lang="es-US" dirty="0"/>
+          </a:p>
+        </p:txBody>
+      </p:sp>
+      <p:sp>
+        <p:nvSpPr>
+          <p:cNvPr id="3" name="Marcador de contenido 2"/>
+          <p:cNvSpPr>
+            <a:spLocks noGrp="1"/>
+          </p:cNvSpPr>
+          <p:nvPr>
+            <p:ph idx="1"/>
+          </p:nvPr>
+        </p:nvSpPr>
+        <p:spPr/>
+        <p:txBody>
+          <a:bodyPr/>
+          <a:lstStyle/>
+          <a:p>
+            <a:r>
+              <a:rPr lang="es-US" dirty="0" smtClean="0"/>
+              <a:t>Enlace para visualización de análisis completo:</a:t>
+            </a:r>
+          </a:p>
+          <a:p>
+            <a:endParaRPr lang="es-US" dirty="0"/>
+          </a:p>
+          <a:p>
+            <a:endParaRPr lang="es-US" dirty="0" smtClean="0"/>
+          </a:p>
+          <a:p>
+            <a:endParaRPr lang="es-US" dirty="0"/>
+          </a:p>
+          <a:p>
+            <a:r>
+              <a:rPr lang="es-US" dirty="0">
+                <a:hlinkClick r:id="rId2"/>
+              </a:rPr>
+              <a:t>https://</a:t>
+            </a:r>
+            <a:r>
+              <a:rPr lang="es-US" dirty="0" smtClean="0">
+                <a:hlinkClick r:id="rId2"/>
+              </a:rPr>
+              <a:t>github.com/surizar2/Statistical-Learning/tree/main/Proyecto</a:t>
+            </a:r>
+            <a:endParaRPr lang="es-US" dirty="0" smtClean="0"/>
+          </a:p>
+          <a:p>
+            <a:endParaRPr lang="es-US" dirty="0"/>
+          </a:p>
+        </p:txBody>
+      </p:sp>
+    </p:spTree>
+    <p:extLst>
+      <p:ext uri="{BB962C8B-B14F-4D97-AF65-F5344CB8AC3E}">
+        <p14:creationId xmlns:p14="http://schemas.microsoft.com/office/powerpoint/2010/main" val="3806144133"/>
+      </p:ext>
+    </p:extLst>
+  </p:cSld>
+  <p:clrMapOvr>
+    <a:masterClrMapping/>
+  </p:clrMapOvr>
+  <p:transition spd="slow">
+    <p:cover/>
+  </p:transition>
+  <p:timing>
+    <p:tnLst>
+      <p:par>
+        <p:cTn id="1" dur="indefinite" restart="never" nodeType="tmRoot"/>
+      </p:par>
+    </p:tnLst>
+  </p:timing>
 </p:sld>
 </file>
 
@@ -8835,12 +9118,12 @@
               <a:t>Determinar la clase de vino que se está analizando utilizando </a:t>
             </a:r>
             <a:r>
-              <a:rPr lang="es-US" dirty="0" err="1" smtClean="0"/>
-              <a:t>métdos</a:t>
-            </a:r>
-            <a:r>
               <a:rPr lang="es-US" dirty="0" smtClean="0"/>
-              <a:t> de Machine </a:t>
+              <a:t>métodos </a:t>
+            </a:r>
+            <a:r>
+              <a:rPr lang="es-US" dirty="0" smtClean="0"/>
+              <a:t>de Machine </a:t>
             </a:r>
             <a:r>
               <a:rPr lang="es-US" dirty="0" err="1" smtClean="0"/>
@@ -8905,6 +9188,16 @@
   <p:clrMapOvr>
     <a:masterClrMapping/>
   </p:clrMapOvr>
+  <p:transition spd="slow">
+    <p:push dir="u"/>
+  </p:transition>
+  <p:timing>
+    <p:tnLst>
+      <p:par>
+        <p:cTn id="1" dur="indefinite" restart="never" nodeType="tmRoot"/>
+      </p:par>
+    </p:tnLst>
+  </p:timing>
 </p:sld>
 </file>
 
@@ -8963,6 +9256,7 @@
           <a:bodyPr/>
           <a:lstStyle/>
           <a:p>
+            <a:pPr algn="just"/>
             <a:r>
               <a:rPr lang="es-US" dirty="0" smtClean="0"/>
               <a:t>Una empresa distribuidora de vinos basada en </a:t>
@@ -8973,7 +9267,11 @@
             </a:r>
             <a:r>
               <a:rPr lang="es-US" dirty="0" smtClean="0"/>
-              <a:t> posee vinos que provienen de tres distintos viñedos. Para determinar la procedencia de los lotes de vinos, se toma una muestra de los vinos producidos por cada viñedo y se llevan a cabo análisis fisicoquímicos. A partir de esta muestra, se desea determinar el viñedo de origen de una futura muestra de origen desconocido.</a:t>
+              <a:t> posee vinos que provienen de tres distintos viñedos. </a:t>
+            </a:r>
+            <a:r>
+              <a:rPr lang="es-US" dirty="0" smtClean="0"/>
+              <a:t>En algunos lotes recibidos o almacenados, se tiene dificultades para determinar el lugar de origen de las botellas. Para poder verificar el viñedo de origen del lote, se realizan análisis fisicoquímicos de una muestra de este, y se compara con un patrón de cada uno de los posibles viñedos.</a:t>
             </a:r>
             <a:endParaRPr lang="es-US" dirty="0"/>
           </a:p>
@@ -8989,10 +9287,116 @@
   <p:clrMapOvr>
     <a:masterClrMapping/>
   </p:clrMapOvr>
+  <mc:AlternateContent xmlns:mc="http://schemas.openxmlformats.org/markup-compatibility/2006">
+    <mc:Choice xmlns:p14="http://schemas.microsoft.com/office/powerpoint/2010/main" Requires="p14">
+      <p:transition spd="slow" p14:dur="1500">
+        <p:split orient="vert"/>
+      </p:transition>
+    </mc:Choice>
+    <mc:Fallback>
+      <p:transition spd="slow">
+        <p:split orient="vert"/>
+      </p:transition>
+    </mc:Fallback>
+  </mc:AlternateContent>
+  <p:timing>
+    <p:tnLst>
+      <p:par>
+        <p:cTn id="1" dur="indefinite" restart="never" nodeType="tmRoot"/>
+      </p:par>
+    </p:tnLst>
+  </p:timing>
 </p:sld>
 </file>
 
 <file path=ppt/slides/slide5.xml><?xml version="1.0" encoding="utf-8"?>
+<p:sld xmlns:a="http://schemas.openxmlformats.org/drawingml/2006/main" xmlns:r="http://schemas.openxmlformats.org/officeDocument/2006/relationships" xmlns:p="http://schemas.openxmlformats.org/presentationml/2006/main">
+  <p:cSld>
+    <p:spTree>
+      <p:nvGrpSpPr>
+        <p:cNvPr id="1" name=""/>
+        <p:cNvGrpSpPr/>
+        <p:nvPr/>
+      </p:nvGrpSpPr>
+      <p:grpSpPr>
+        <a:xfrm>
+          <a:off x="0" y="0"/>
+          <a:ext cx="0" cy="0"/>
+          <a:chOff x="0" y="0"/>
+          <a:chExt cx="0" cy="0"/>
+        </a:xfrm>
+      </p:grpSpPr>
+      <p:sp>
+        <p:nvSpPr>
+          <p:cNvPr id="2" name="Título 1"/>
+          <p:cNvSpPr>
+            <a:spLocks noGrp="1"/>
+          </p:cNvSpPr>
+          <p:nvPr>
+            <p:ph type="title"/>
+          </p:nvPr>
+        </p:nvSpPr>
+        <p:spPr/>
+        <p:txBody>
+          <a:bodyPr/>
+          <a:lstStyle/>
+          <a:p>
+            <a:r>
+              <a:rPr lang="es-US" dirty="0" smtClean="0"/>
+              <a:t>Solución planteada</a:t>
+            </a:r>
+            <a:endParaRPr lang="es-US" dirty="0"/>
+          </a:p>
+        </p:txBody>
+      </p:sp>
+      <p:sp>
+        <p:nvSpPr>
+          <p:cNvPr id="3" name="Marcador de contenido 2"/>
+          <p:cNvSpPr>
+            <a:spLocks noGrp="1"/>
+          </p:cNvSpPr>
+          <p:nvPr>
+            <p:ph idx="1"/>
+          </p:nvPr>
+        </p:nvSpPr>
+        <p:spPr/>
+        <p:txBody>
+          <a:bodyPr/>
+          <a:lstStyle/>
+          <a:p>
+            <a:pPr algn="just"/>
+            <a:r>
+              <a:rPr lang="es-US" dirty="0" smtClean="0"/>
+              <a:t>Mediante un algoritmo de clasificación de ML, se pretende determinar el viñedo de procedencia de los vinos. Se analizarán las variables fisicoquímicas de una muestra de vinos provenientes de cada lote, con lo que se podrá construir el algoritmo a utilizar.</a:t>
+            </a:r>
+            <a:endParaRPr lang="es-US" dirty="0"/>
+          </a:p>
+        </p:txBody>
+      </p:sp>
+    </p:spTree>
+    <p:extLst>
+      <p:ext uri="{BB962C8B-B14F-4D97-AF65-F5344CB8AC3E}">
+        <p14:creationId xmlns:p14="http://schemas.microsoft.com/office/powerpoint/2010/main" val="1905086700"/>
+      </p:ext>
+    </p:extLst>
+  </p:cSld>
+  <p:clrMapOvr>
+    <a:masterClrMapping/>
+  </p:clrMapOvr>
+  <p:transition spd="slow">
+    <p:wipe/>
+  </p:transition>
+  <p:timing>
+    <p:tnLst>
+      <p:par>
+        <p:cTn id="1" dur="indefinite" restart="never" nodeType="tmRoot"/>
+      </p:par>
+    </p:tnLst>
+  </p:timing>
+</p:sld>
+</file>
+
+<file path=ppt/slides/slide6.xml><?xml version="1.0" encoding="utf-8"?>
 <p:sld xmlns:a="http://schemas.openxmlformats.org/drawingml/2006/main" xmlns:r="http://schemas.openxmlformats.org/officeDocument/2006/relationships" xmlns:p="http://schemas.openxmlformats.org/presentationml/2006/main">
   <p:cSld>
     <p:spTree>
@@ -9109,10 +9513,20 @@
   <p:clrMapOvr>
     <a:masterClrMapping/>
   </p:clrMapOvr>
+  <p:transition spd="slow">
+    <p:push dir="u"/>
+  </p:transition>
+  <p:timing>
+    <p:tnLst>
+      <p:par>
+        <p:cTn id="1" dur="indefinite" restart="never" nodeType="tmRoot"/>
+      </p:par>
+    </p:tnLst>
+  </p:timing>
 </p:sld>
 </file>
 
-<file path=ppt/slides/slide6.xml><?xml version="1.0" encoding="utf-8"?>
+<file path=ppt/slides/slide7.xml><?xml version="1.0" encoding="utf-8"?>
 <p:sld xmlns:a="http://schemas.openxmlformats.org/drawingml/2006/main" xmlns:r="http://schemas.openxmlformats.org/officeDocument/2006/relationships" xmlns:p="http://schemas.openxmlformats.org/presentationml/2006/main">
   <p:cSld>
     <p:spTree>
@@ -9205,10 +9619,29 @@
   <p:clrMapOvr>
     <a:masterClrMapping/>
   </p:clrMapOvr>
+  <mc:AlternateContent xmlns:mc="http://schemas.openxmlformats.org/markup-compatibility/2006">
+    <mc:Choice xmlns:p14="http://schemas.microsoft.com/office/powerpoint/2010/main" Requires="p14">
+      <p:transition spd="slow" p14:dur="1500">
+        <p:split orient="vert"/>
+      </p:transition>
+    </mc:Choice>
+    <mc:Fallback>
+      <p:transition spd="slow">
+        <p:split orient="vert"/>
+      </p:transition>
+    </mc:Fallback>
+  </mc:AlternateContent>
+  <p:timing>
+    <p:tnLst>
+      <p:par>
+        <p:cTn id="1" dur="indefinite" restart="never" nodeType="tmRoot"/>
+      </p:par>
+    </p:tnLst>
+  </p:timing>
 </p:sld>
 </file>
 
-<file path=ppt/slides/slide7.xml><?xml version="1.0" encoding="utf-8"?>
+<file path=ppt/slides/slide8.xml><?xml version="1.0" encoding="utf-8"?>
 <p:sld xmlns:a="http://schemas.openxmlformats.org/drawingml/2006/main" xmlns:r="http://schemas.openxmlformats.org/officeDocument/2006/relationships" xmlns:p="http://schemas.openxmlformats.org/presentationml/2006/main">
   <p:cSld>
     <p:spTree>
@@ -9297,10 +9730,20 @@
   <p:clrMapOvr>
     <a:masterClrMapping/>
   </p:clrMapOvr>
+  <p:transition spd="slow">
+    <p:randomBar dir="vert"/>
+  </p:transition>
+  <p:timing>
+    <p:tnLst>
+      <p:par>
+        <p:cTn id="1" dur="indefinite" restart="never" nodeType="tmRoot"/>
+      </p:par>
+    </p:tnLst>
+  </p:timing>
 </p:sld>
 </file>
 
-<file path=ppt/slides/slide8.xml><?xml version="1.0" encoding="utf-8"?>
+<file path=ppt/slides/slide9.xml><?xml version="1.0" encoding="utf-8"?>
 <p:sld xmlns:a="http://schemas.openxmlformats.org/drawingml/2006/main" xmlns:r="http://schemas.openxmlformats.org/officeDocument/2006/relationships" xmlns:p="http://schemas.openxmlformats.org/presentationml/2006/main">
   <p:cSld>
     <p:spTree>
@@ -9351,100 +9794,16 @@
   <p:clrMapOvr>
     <a:masterClrMapping/>
   </p:clrMapOvr>
-</p:sld>
-</file>
-
-<file path=ppt/slides/slide9.xml><?xml version="1.0" encoding="utf-8"?>
-<p:sld xmlns:a="http://schemas.openxmlformats.org/drawingml/2006/main" xmlns:r="http://schemas.openxmlformats.org/officeDocument/2006/relationships" xmlns:p="http://schemas.openxmlformats.org/presentationml/2006/main">
-  <p:cSld>
-    <p:spTree>
-      <p:nvGrpSpPr>
-        <p:cNvPr id="1" name=""/>
-        <p:cNvGrpSpPr/>
-        <p:nvPr/>
-      </p:nvGrpSpPr>
-      <p:grpSpPr>
-        <a:xfrm>
-          <a:off x="0" y="0"/>
-          <a:ext cx="0" cy="0"/>
-          <a:chOff x="0" y="0"/>
-          <a:chExt cx="0" cy="0"/>
-        </a:xfrm>
-      </p:grpSpPr>
-      <p:sp>
-        <p:nvSpPr>
-          <p:cNvPr id="2" name="Título 1"/>
-          <p:cNvSpPr>
-            <a:spLocks noGrp="1"/>
-          </p:cNvSpPr>
-          <p:nvPr>
-            <p:ph type="title"/>
-          </p:nvPr>
-        </p:nvSpPr>
-        <p:spPr/>
-        <p:txBody>
-          <a:bodyPr/>
-          <a:lstStyle/>
-          <a:p>
-            <a:r>
-              <a:rPr lang="es-US" dirty="0" smtClean="0"/>
-              <a:t>Metodología a implementar</a:t>
-            </a:r>
-            <a:endParaRPr lang="es-US" dirty="0"/>
-          </a:p>
-        </p:txBody>
-      </p:sp>
-      <p:sp>
-        <p:nvSpPr>
-          <p:cNvPr id="3" name="Marcador de contenido 2"/>
-          <p:cNvSpPr>
-            <a:spLocks noGrp="1"/>
-          </p:cNvSpPr>
-          <p:nvPr>
-            <p:ph idx="1"/>
-          </p:nvPr>
-        </p:nvSpPr>
-        <p:spPr/>
-        <p:txBody>
-          <a:bodyPr/>
-          <a:lstStyle/>
-          <a:p>
-            <a:r>
-              <a:rPr lang="es-US" dirty="0" smtClean="0"/>
-              <a:t>Estandarización de datos</a:t>
-            </a:r>
-          </a:p>
-          <a:p>
-            <a:r>
-              <a:rPr lang="es-US" dirty="0" smtClean="0"/>
-              <a:t>Set de entrenamiento y pruebas</a:t>
-            </a:r>
-          </a:p>
-          <a:p>
-            <a:r>
-              <a:rPr lang="es-US" dirty="0" smtClean="0"/>
-              <a:t>Modelo KNN</a:t>
-            </a:r>
-          </a:p>
-          <a:p>
-            <a:r>
-              <a:rPr lang="es-US" dirty="0" err="1" smtClean="0"/>
-              <a:t>XValidation</a:t>
-            </a:r>
-            <a:endParaRPr lang="es-US" dirty="0"/>
-          </a:p>
-        </p:txBody>
-      </p:sp>
-    </p:spTree>
-    <p:extLst>
-      <p:ext uri="{BB962C8B-B14F-4D97-AF65-F5344CB8AC3E}">
-        <p14:creationId xmlns:p14="http://schemas.microsoft.com/office/powerpoint/2010/main" val="1632307224"/>
-      </p:ext>
-    </p:extLst>
-  </p:cSld>
-  <p:clrMapOvr>
-    <a:masterClrMapping/>
-  </p:clrMapOvr>
+  <p:transition spd="slow">
+    <p:cover/>
+  </p:transition>
+  <p:timing>
+    <p:tnLst>
+      <p:par>
+        <p:cTn id="1" dur="indefinite" restart="never" nodeType="tmRoot"/>
+      </p:par>
+    </p:tnLst>
+  </p:timing>
 </p:sld>
 </file>
 

--- a/Proyecto/Presentación Proyecto SL1 surizar2.pptx
+++ b/Proyecto/Presentación Proyecto SL1 surizar2.pptx
@@ -7,24 +7,25 @@
   <p:sldIdLst>
     <p:sldId id="256" r:id="rId2"/>
     <p:sldId id="261" r:id="rId3"/>
-    <p:sldId id="257" r:id="rId4"/>
-    <p:sldId id="262" r:id="rId5"/>
-    <p:sldId id="275" r:id="rId6"/>
-    <p:sldId id="258" r:id="rId7"/>
-    <p:sldId id="259" r:id="rId8"/>
-    <p:sldId id="260" r:id="rId9"/>
-    <p:sldId id="263" r:id="rId10"/>
-    <p:sldId id="264" r:id="rId11"/>
-    <p:sldId id="265" r:id="rId12"/>
-    <p:sldId id="266" r:id="rId13"/>
-    <p:sldId id="267" r:id="rId14"/>
-    <p:sldId id="268" r:id="rId15"/>
-    <p:sldId id="269" r:id="rId16"/>
-    <p:sldId id="270" r:id="rId17"/>
-    <p:sldId id="271" r:id="rId18"/>
-    <p:sldId id="272" r:id="rId19"/>
-    <p:sldId id="273" r:id="rId20"/>
-    <p:sldId id="274" r:id="rId21"/>
+    <p:sldId id="276" r:id="rId4"/>
+    <p:sldId id="257" r:id="rId5"/>
+    <p:sldId id="262" r:id="rId6"/>
+    <p:sldId id="275" r:id="rId7"/>
+    <p:sldId id="258" r:id="rId8"/>
+    <p:sldId id="259" r:id="rId9"/>
+    <p:sldId id="260" r:id="rId10"/>
+    <p:sldId id="263" r:id="rId11"/>
+    <p:sldId id="264" r:id="rId12"/>
+    <p:sldId id="265" r:id="rId13"/>
+    <p:sldId id="266" r:id="rId14"/>
+    <p:sldId id="267" r:id="rId15"/>
+    <p:sldId id="268" r:id="rId16"/>
+    <p:sldId id="269" r:id="rId17"/>
+    <p:sldId id="270" r:id="rId18"/>
+    <p:sldId id="271" r:id="rId19"/>
+    <p:sldId id="272" r:id="rId20"/>
+    <p:sldId id="273" r:id="rId21"/>
+    <p:sldId id="274" r:id="rId22"/>
   </p:sldIdLst>
   <p:sldSz cx="12192000" cy="6858000"/>
   <p:notesSz cx="6858000" cy="9144000"/>
@@ -320,7 +321,7 @@
             <a:fld id="{B61BEF0D-F0BB-DE4B-95CE-6DB70DBA9567}" type="datetimeFigureOut">
               <a:rPr lang="en-US" dirty="0"/>
               <a:pPr/>
-              <a:t>6/20/2023</a:t>
+              <a:t>6/21/2023</a:t>
             </a:fld>
             <a:endParaRPr lang="en-US" dirty="0"/>
           </a:p>
@@ -655,7 +656,7 @@
             <a:fld id="{B61BEF0D-F0BB-DE4B-95CE-6DB70DBA9567}" type="datetimeFigureOut">
               <a:rPr lang="en-US" dirty="0"/>
               <a:pPr/>
-              <a:t>6/20/2023</a:t>
+              <a:t>6/21/2023</a:t>
             </a:fld>
             <a:endParaRPr lang="en-US" dirty="0"/>
           </a:p>
@@ -1053,7 +1054,7 @@
             <a:fld id="{B61BEF0D-F0BB-DE4B-95CE-6DB70DBA9567}" type="datetimeFigureOut">
               <a:rPr lang="en-US" dirty="0"/>
               <a:pPr/>
-              <a:t>6/20/2023</a:t>
+              <a:t>6/21/2023</a:t>
             </a:fld>
             <a:endParaRPr lang="en-US" dirty="0"/>
           </a:p>
@@ -1386,7 +1387,7 @@
             <a:fld id="{B61BEF0D-F0BB-DE4B-95CE-6DB70DBA9567}" type="datetimeFigureOut">
               <a:rPr lang="en-US" dirty="0"/>
               <a:pPr/>
-              <a:t>6/20/2023</a:t>
+              <a:t>6/21/2023</a:t>
             </a:fld>
             <a:endParaRPr lang="en-US" dirty="0"/>
           </a:p>
@@ -1703,7 +1704,7 @@
             <a:fld id="{B61BEF0D-F0BB-DE4B-95CE-6DB70DBA9567}" type="datetimeFigureOut">
               <a:rPr lang="en-US" dirty="0"/>
               <a:pPr/>
-              <a:t>6/20/2023</a:t>
+              <a:t>6/21/2023</a:t>
             </a:fld>
             <a:endParaRPr lang="en-US" dirty="0"/>
           </a:p>
@@ -2096,7 +2097,7 @@
             <a:fld id="{B61BEF0D-F0BB-DE4B-95CE-6DB70DBA9567}" type="datetimeFigureOut">
               <a:rPr lang="en-US" dirty="0"/>
               <a:pPr/>
-              <a:t>6/20/2023</a:t>
+              <a:t>6/21/2023</a:t>
             </a:fld>
             <a:endParaRPr lang="en-US" dirty="0"/>
           </a:p>
@@ -2350,7 +2351,7 @@
             <a:fld id="{B61BEF0D-F0BB-DE4B-95CE-6DB70DBA9567}" type="datetimeFigureOut">
               <a:rPr lang="en-US" dirty="0"/>
               <a:pPr/>
-              <a:t>6/20/2023</a:t>
+              <a:t>6/21/2023</a:t>
             </a:fld>
             <a:endParaRPr lang="en-US" dirty="0"/>
           </a:p>
@@ -2609,7 +2610,7 @@
             <a:fld id="{B61BEF0D-F0BB-DE4B-95CE-6DB70DBA9567}" type="datetimeFigureOut">
               <a:rPr lang="en-US" dirty="0"/>
               <a:pPr/>
-              <a:t>6/20/2023</a:t>
+              <a:t>6/21/2023</a:t>
             </a:fld>
             <a:endParaRPr lang="en-US" dirty="0"/>
           </a:p>
@@ -2868,7 +2869,7 @@
             <a:fld id="{B61BEF0D-F0BB-DE4B-95CE-6DB70DBA9567}" type="datetimeFigureOut">
               <a:rPr lang="en-US" dirty="0"/>
               <a:pPr/>
-              <a:t>6/20/2023</a:t>
+              <a:t>6/21/2023</a:t>
             </a:fld>
             <a:endParaRPr lang="en-US" dirty="0"/>
           </a:p>
@@ -3194,7 +3195,7 @@
             <a:fld id="{B61BEF0D-F0BB-DE4B-95CE-6DB70DBA9567}" type="datetimeFigureOut">
               <a:rPr lang="en-US" dirty="0"/>
               <a:pPr/>
-              <a:t>6/20/2023</a:t>
+              <a:t>6/21/2023</a:t>
             </a:fld>
             <a:endParaRPr lang="en-US" dirty="0"/>
           </a:p>
@@ -3514,7 +3515,7 @@
             <a:fld id="{B61BEF0D-F0BB-DE4B-95CE-6DB70DBA9567}" type="datetimeFigureOut">
               <a:rPr lang="en-US" dirty="0"/>
               <a:pPr/>
-              <a:t>6/20/2023</a:t>
+              <a:t>6/21/2023</a:t>
             </a:fld>
             <a:endParaRPr lang="en-US" dirty="0"/>
           </a:p>
@@ -3968,7 +3969,7 @@
             <a:fld id="{B61BEF0D-F0BB-DE4B-95CE-6DB70DBA9567}" type="datetimeFigureOut">
               <a:rPr lang="en-US" dirty="0"/>
               <a:pPr/>
-              <a:t>6/20/2023</a:t>
+              <a:t>6/21/2023</a:t>
             </a:fld>
             <a:endParaRPr lang="en-US" dirty="0"/>
           </a:p>
@@ -4170,7 +4171,7 @@
             <a:fld id="{B61BEF0D-F0BB-DE4B-95CE-6DB70DBA9567}" type="datetimeFigureOut">
               <a:rPr lang="en-US" dirty="0"/>
               <a:pPr/>
-              <a:t>6/20/2023</a:t>
+              <a:t>6/21/2023</a:t>
             </a:fld>
             <a:endParaRPr lang="en-US" dirty="0"/>
           </a:p>
@@ -4344,7 +4345,7 @@
             <a:fld id="{B61BEF0D-F0BB-DE4B-95CE-6DB70DBA9567}" type="datetimeFigureOut">
               <a:rPr lang="en-US" dirty="0"/>
               <a:pPr/>
-              <a:t>6/20/2023</a:t>
+              <a:t>6/21/2023</a:t>
             </a:fld>
             <a:endParaRPr lang="en-US" dirty="0"/>
           </a:p>
@@ -4674,7 +4675,7 @@
             <a:fld id="{B61BEF0D-F0BB-DE4B-95CE-6DB70DBA9567}" type="datetimeFigureOut">
               <a:rPr lang="en-US" dirty="0"/>
               <a:pPr/>
-              <a:t>6/20/2023</a:t>
+              <a:t>6/21/2023</a:t>
             </a:fld>
             <a:endParaRPr lang="en-US" dirty="0"/>
           </a:p>
@@ -5016,7 +5017,7 @@
             <a:fld id="{B61BEF0D-F0BB-DE4B-95CE-6DB70DBA9567}" type="datetimeFigureOut">
               <a:rPr lang="en-US" dirty="0"/>
               <a:pPr/>
-              <a:t>6/20/2023</a:t>
+              <a:t>6/21/2023</a:t>
             </a:fld>
             <a:endParaRPr lang="en-US" dirty="0"/>
           </a:p>
@@ -7130,7 +7131,7 @@
             <a:fld id="{B61BEF0D-F0BB-DE4B-95CE-6DB70DBA9567}" type="datetimeFigureOut">
               <a:rPr lang="en-US" dirty="0"/>
               <a:pPr/>
-              <a:t>6/20/2023</a:t>
+              <a:t>6/21/2023</a:t>
             </a:fld>
             <a:endParaRPr lang="en-US" dirty="0"/>
           </a:p>
@@ -7759,11 +7760,11 @@
   <p:clrMapOvr>
     <a:masterClrMapping/>
   </p:clrMapOvr>
-  <mc:AlternateContent xmlns:mc="http://schemas.openxmlformats.org/markup-compatibility/2006">
-    <mc:Choice xmlns:p14="http://schemas.microsoft.com/office/powerpoint/2010/main" Requires="p14">
+  <mc:AlternateContent xmlns:mc="http://schemas.openxmlformats.org/markup-compatibility/2006" xmlns:p14="http://schemas.microsoft.com/office/powerpoint/2010/main">
+    <mc:Choice Requires="p14">
       <p:transition p14:dur="0"/>
     </mc:Choice>
-    <mc:Fallback>
+    <mc:Fallback xmlns="">
       <p:transition/>
     </mc:Fallback>
   </mc:AlternateContent>
@@ -7794,6 +7795,70 @@
           <a:chExt cx="0" cy="0"/>
         </a:xfrm>
       </p:grpSpPr>
+      <p:pic>
+        <p:nvPicPr>
+          <p:cNvPr id="2" name="Imagen 1"/>
+          <p:cNvPicPr>
+            <a:picLocks noChangeAspect="1"/>
+          </p:cNvPicPr>
+          <p:nvPr/>
+        </p:nvPicPr>
+        <p:blipFill>
+          <a:blip r:embed="rId2"/>
+          <a:stretch>
+            <a:fillRect/>
+          </a:stretch>
+        </p:blipFill>
+        <p:spPr>
+          <a:xfrm>
+            <a:off x="2699657" y="123888"/>
+            <a:ext cx="6984274" cy="6734112"/>
+          </a:xfrm>
+          <a:prstGeom prst="rect">
+            <a:avLst/>
+          </a:prstGeom>
+        </p:spPr>
+      </p:pic>
+    </p:spTree>
+    <p:extLst>
+      <p:ext uri="{BB962C8B-B14F-4D97-AF65-F5344CB8AC3E}">
+        <p14:creationId xmlns:p14="http://schemas.microsoft.com/office/powerpoint/2010/main" val="3370052930"/>
+      </p:ext>
+    </p:extLst>
+  </p:cSld>
+  <p:clrMapOvr>
+    <a:masterClrMapping/>
+  </p:clrMapOvr>
+  <p:transition spd="slow">
+    <p:cover/>
+  </p:transition>
+  <p:timing>
+    <p:tnLst>
+      <p:par>
+        <p:cTn id="1" dur="indefinite" restart="never" nodeType="tmRoot"/>
+      </p:par>
+    </p:tnLst>
+  </p:timing>
+</p:sld>
+</file>
+
+<file path=ppt/slides/slide11.xml><?xml version="1.0" encoding="utf-8"?>
+<p:sld xmlns:a="http://schemas.openxmlformats.org/drawingml/2006/main" xmlns:r="http://schemas.openxmlformats.org/officeDocument/2006/relationships" xmlns:p="http://schemas.openxmlformats.org/presentationml/2006/main">
+  <p:cSld>
+    <p:spTree>
+      <p:nvGrpSpPr>
+        <p:cNvPr id="1" name=""/>
+        <p:cNvGrpSpPr/>
+        <p:nvPr/>
+      </p:nvGrpSpPr>
+      <p:grpSpPr>
+        <a:xfrm>
+          <a:off x="0" y="0"/>
+          <a:ext cx="0" cy="0"/>
+          <a:chOff x="0" y="0"/>
+          <a:chExt cx="0" cy="0"/>
+        </a:xfrm>
+      </p:grpSpPr>
       <p:sp>
         <p:nvSpPr>
           <p:cNvPr id="2" name="Título 1"/>
@@ -7881,7 +7946,7 @@
 </p:sld>
 </file>
 
-<file path=ppt/slides/slide11.xml><?xml version="1.0" encoding="utf-8"?>
+<file path=ppt/slides/slide12.xml><?xml version="1.0" encoding="utf-8"?>
 <p:sld xmlns:a="http://schemas.openxmlformats.org/drawingml/2006/main" xmlns:r="http://schemas.openxmlformats.org/officeDocument/2006/relationships" xmlns:p="http://schemas.openxmlformats.org/presentationml/2006/main">
   <p:cSld>
     <p:spTree>
@@ -7970,7 +8035,7 @@
 </p:sld>
 </file>
 
-<file path=ppt/slides/slide12.xml><?xml version="1.0" encoding="utf-8"?>
+<file path=ppt/slides/slide13.xml><?xml version="1.0" encoding="utf-8"?>
 <p:sld xmlns:a="http://schemas.openxmlformats.org/drawingml/2006/main" xmlns:r="http://schemas.openxmlformats.org/officeDocument/2006/relationships" xmlns:p="http://schemas.openxmlformats.org/presentationml/2006/main">
   <p:cSld>
     <p:spTree>
@@ -8051,13 +8116,13 @@
   <p:clrMapOvr>
     <a:masterClrMapping/>
   </p:clrMapOvr>
-  <mc:AlternateContent xmlns:mc="http://schemas.openxmlformats.org/markup-compatibility/2006">
-    <mc:Choice xmlns:p14="http://schemas.microsoft.com/office/powerpoint/2010/main" Requires="p14">
+  <mc:AlternateContent xmlns:mc="http://schemas.openxmlformats.org/markup-compatibility/2006" xmlns:p14="http://schemas.microsoft.com/office/powerpoint/2010/main">
+    <mc:Choice Requires="p14">
       <p:transition spd="slow" p14:dur="1500">
         <p:split orient="vert"/>
       </p:transition>
     </mc:Choice>
-    <mc:Fallback>
+    <mc:Fallback xmlns="">
       <p:transition spd="slow">
         <p:split orient="vert"/>
       </p:transition>
@@ -8073,7 +8138,7 @@
 </p:sld>
 </file>
 
-<file path=ppt/slides/slide13.xml><?xml version="1.0" encoding="utf-8"?>
+<file path=ppt/slides/slide14.xml><?xml version="1.0" encoding="utf-8"?>
 <p:sld xmlns:a="http://schemas.openxmlformats.org/drawingml/2006/main" xmlns:r="http://schemas.openxmlformats.org/officeDocument/2006/relationships" xmlns:p="http://schemas.openxmlformats.org/presentationml/2006/main">
   <p:cSld>
     <p:spTree>
@@ -8202,7 +8267,7 @@
 </p:sld>
 </file>
 
-<file path=ppt/slides/slide14.xml><?xml version="1.0" encoding="utf-8"?>
+<file path=ppt/slides/slide15.xml><?xml version="1.0" encoding="utf-8"?>
 <p:sld xmlns:a="http://schemas.openxmlformats.org/drawingml/2006/main" xmlns:r="http://schemas.openxmlformats.org/officeDocument/2006/relationships" xmlns:p="http://schemas.openxmlformats.org/presentationml/2006/main">
   <p:cSld>
     <p:spTree>
@@ -8308,7 +8373,7 @@
 </p:sld>
 </file>
 
-<file path=ppt/slides/slide15.xml><?xml version="1.0" encoding="utf-8"?>
+<file path=ppt/slides/slide16.xml><?xml version="1.0" encoding="utf-8"?>
 <p:sld xmlns:a="http://schemas.openxmlformats.org/drawingml/2006/main" xmlns:r="http://schemas.openxmlformats.org/officeDocument/2006/relationships" xmlns:p="http://schemas.openxmlformats.org/presentationml/2006/main">
   <p:cSld>
     <p:spTree>
@@ -8397,7 +8462,7 @@
 </p:sld>
 </file>
 
-<file path=ppt/slides/slide16.xml><?xml version="1.0" encoding="utf-8"?>
+<file path=ppt/slides/slide17.xml><?xml version="1.0" encoding="utf-8"?>
 <p:sld xmlns:a="http://schemas.openxmlformats.org/drawingml/2006/main" xmlns:r="http://schemas.openxmlformats.org/officeDocument/2006/relationships" xmlns:p="http://schemas.openxmlformats.org/presentationml/2006/main">
   <p:cSld>
     <p:spTree>
@@ -8486,106 +8551,6 @@
 </p:sld>
 </file>
 
-<file path=ppt/slides/slide17.xml><?xml version="1.0" encoding="utf-8"?>
-<p:sld xmlns:a="http://schemas.openxmlformats.org/drawingml/2006/main" xmlns:r="http://schemas.openxmlformats.org/officeDocument/2006/relationships" xmlns:p="http://schemas.openxmlformats.org/presentationml/2006/main">
-  <p:cSld>
-    <p:spTree>
-      <p:nvGrpSpPr>
-        <p:cNvPr id="1" name=""/>
-        <p:cNvGrpSpPr/>
-        <p:nvPr/>
-      </p:nvGrpSpPr>
-      <p:grpSpPr>
-        <a:xfrm>
-          <a:off x="0" y="0"/>
-          <a:ext cx="0" cy="0"/>
-          <a:chOff x="0" y="0"/>
-          <a:chExt cx="0" cy="0"/>
-        </a:xfrm>
-      </p:grpSpPr>
-      <p:sp>
-        <p:nvSpPr>
-          <p:cNvPr id="2" name="Título 1"/>
-          <p:cNvSpPr>
-            <a:spLocks noGrp="1"/>
-          </p:cNvSpPr>
-          <p:nvPr>
-            <p:ph type="title"/>
-          </p:nvPr>
-        </p:nvSpPr>
-        <p:spPr/>
-        <p:txBody>
-          <a:bodyPr/>
-          <a:lstStyle/>
-          <a:p>
-            <a:r>
-              <a:rPr lang="es-US" dirty="0" smtClean="0"/>
-              <a:t>Resultados</a:t>
-            </a:r>
-            <a:endParaRPr lang="es-US" dirty="0"/>
-          </a:p>
-        </p:txBody>
-      </p:sp>
-      <p:sp>
-        <p:nvSpPr>
-          <p:cNvPr id="3" name="Marcador de contenido 2"/>
-          <p:cNvSpPr>
-            <a:spLocks noGrp="1"/>
-          </p:cNvSpPr>
-          <p:nvPr>
-            <p:ph idx="1"/>
-          </p:nvPr>
-        </p:nvSpPr>
-        <p:spPr/>
-        <p:txBody>
-          <a:bodyPr/>
-          <a:lstStyle/>
-          <a:p>
-            <a:r>
-              <a:rPr lang="es-US" dirty="0" err="1" smtClean="0"/>
-              <a:t>Accuracy</a:t>
-            </a:r>
-            <a:r>
-              <a:rPr lang="es-US" dirty="0" smtClean="0"/>
-              <a:t> máximo para modelo sin estandarizar: 0.71, k = 1</a:t>
-            </a:r>
-          </a:p>
-          <a:p>
-            <a:r>
-              <a:rPr lang="es-US" dirty="0" err="1" smtClean="0"/>
-              <a:t>Accuracy</a:t>
-            </a:r>
-            <a:r>
-              <a:rPr lang="es-US" dirty="0" smtClean="0"/>
-              <a:t> máximo para modelo estandarizado: 0.96 k = 17</a:t>
-            </a:r>
-            <a:endParaRPr lang="es-US" dirty="0"/>
-          </a:p>
-        </p:txBody>
-      </p:sp>
-    </p:spTree>
-    <p:extLst>
-      <p:ext uri="{BB962C8B-B14F-4D97-AF65-F5344CB8AC3E}">
-        <p14:creationId xmlns:p14="http://schemas.microsoft.com/office/powerpoint/2010/main" val="285350445"/>
-      </p:ext>
-    </p:extLst>
-  </p:cSld>
-  <p:clrMapOvr>
-    <a:masterClrMapping/>
-  </p:clrMapOvr>
-  <p:transition spd="slow">
-    <p:push dir="u"/>
-  </p:transition>
-  <p:timing>
-    <p:tnLst>
-      <p:par>
-        <p:cTn id="1" dur="indefinite" restart="never" nodeType="tmRoot"/>
-      </p:par>
-    </p:tnLst>
-  </p:timing>
-</p:sld>
-</file>
-
 <file path=ppt/slides/slide18.xml><?xml version="1.0" encoding="utf-8"?>
 <p:sld xmlns:a="http://schemas.openxmlformats.org/drawingml/2006/main" xmlns:r="http://schemas.openxmlformats.org/officeDocument/2006/relationships" xmlns:p="http://schemas.openxmlformats.org/presentationml/2006/main">
   <p:cSld>
@@ -8620,7 +8585,7 @@
           <a:p>
             <a:r>
               <a:rPr lang="es-US" dirty="0" smtClean="0"/>
-              <a:t>Conclusiones</a:t>
+              <a:t>Resultados</a:t>
             </a:r>
             <a:endParaRPr lang="es-US" dirty="0"/>
           </a:p>
@@ -8642,28 +8607,22 @@
           <a:lstStyle/>
           <a:p>
             <a:r>
+              <a:rPr lang="es-US" dirty="0" err="1" smtClean="0"/>
+              <a:t>Accuracy</a:t>
+            </a:r>
+            <a:r>
               <a:rPr lang="es-US" dirty="0" smtClean="0"/>
-              <a:t>El modelo KNN fue eficiente para clasificar los vinos</a:t>
-            </a:r>
-          </a:p>
-          <a:p>
+              <a:t> máximo para modelo sin estandarizar: 0.71, k = 1</a:t>
+            </a:r>
+          </a:p>
+          <a:p>
+            <a:r>
+              <a:rPr lang="es-US" dirty="0" err="1" smtClean="0"/>
+              <a:t>Accuracy</a:t>
+            </a:r>
             <a:r>
               <a:rPr lang="es-US" dirty="0" smtClean="0"/>
-              <a:t>El </a:t>
-            </a:r>
-            <a:r>
-              <a:rPr lang="es-US" dirty="0" err="1" smtClean="0"/>
-              <a:t>accuracy</a:t>
-            </a:r>
-            <a:r>
-              <a:rPr lang="es-US" dirty="0" smtClean="0"/>
-              <a:t> máximo obtenido fue de 0.96, para k = 17</a:t>
-            </a:r>
-          </a:p>
-          <a:p>
-            <a:r>
-              <a:rPr lang="es-US" dirty="0" smtClean="0"/>
-              <a:t>La estandarización de los datos permitió obtener mejores resultados</a:t>
+              <a:t> máximo para modelo estandarizado: 0.96 k = 17</a:t>
             </a:r>
             <a:endParaRPr lang="es-US" dirty="0"/>
           </a:p>
@@ -8672,7 +8631,7 @@
     </p:spTree>
     <p:extLst>
       <p:ext uri="{BB962C8B-B14F-4D97-AF65-F5344CB8AC3E}">
-        <p14:creationId xmlns:p14="http://schemas.microsoft.com/office/powerpoint/2010/main" val="3504010074"/>
+        <p14:creationId xmlns:p14="http://schemas.microsoft.com/office/powerpoint/2010/main" val="285350445"/>
       </p:ext>
     </p:extLst>
   </p:cSld>
@@ -8680,7 +8639,7 @@
     <a:masterClrMapping/>
   </p:clrMapOvr>
   <p:transition spd="slow">
-    <p:wipe/>
+    <p:push dir="u"/>
   </p:transition>
   <p:timing>
     <p:tnLst>
@@ -8726,7 +8685,7 @@
           <a:p>
             <a:r>
               <a:rPr lang="es-US" dirty="0" smtClean="0"/>
-              <a:t>Recomendaciones</a:t>
+              <a:t>Conclusiones</a:t>
             </a:r>
             <a:endParaRPr lang="es-US" dirty="0"/>
           </a:p>
@@ -8749,13 +8708,13 @@
           <a:p>
             <a:r>
               <a:rPr lang="es-US" dirty="0" smtClean="0"/>
-              <a:t>Obtener más muestras para evitar sobreestimación</a:t>
+              <a:t>El modelo KNN fue eficiente para clasificar los vinos</a:t>
             </a:r>
           </a:p>
           <a:p>
             <a:r>
               <a:rPr lang="es-US" dirty="0" smtClean="0"/>
-              <a:t>Analizar el patrón periódico en el </a:t>
+              <a:t>El </a:t>
             </a:r>
             <a:r>
               <a:rPr lang="es-US" dirty="0" err="1" smtClean="0"/>
@@ -8763,13 +8722,13 @@
             </a:r>
             <a:r>
               <a:rPr lang="es-US" dirty="0" smtClean="0"/>
-              <a:t> para el modelo estandarizado</a:t>
+              <a:t> máximo obtenido fue de 0.96, para k = 17</a:t>
             </a:r>
           </a:p>
           <a:p>
             <a:r>
               <a:rPr lang="es-US" dirty="0" smtClean="0"/>
-              <a:t>Comparar los resultados con otros modelos</a:t>
+              <a:t>La estandarización de los datos permitió obtener mejores resultados</a:t>
             </a:r>
             <a:endParaRPr lang="es-US" dirty="0"/>
           </a:p>
@@ -8778,7 +8737,7 @@
     </p:spTree>
     <p:extLst>
       <p:ext uri="{BB962C8B-B14F-4D97-AF65-F5344CB8AC3E}">
-        <p14:creationId xmlns:p14="http://schemas.microsoft.com/office/powerpoint/2010/main" val="1094664304"/>
+        <p14:creationId xmlns:p14="http://schemas.microsoft.com/office/powerpoint/2010/main" val="3504010074"/>
       </p:ext>
     </p:extLst>
   </p:cSld>
@@ -8850,7 +8809,9 @@
         </p:nvSpPr>
         <p:spPr/>
         <p:txBody>
-          <a:bodyPr/>
+          <a:bodyPr>
+            <a:normAutofit lnSpcReduction="10000"/>
+          </a:bodyPr>
           <a:lstStyle/>
           <a:p>
             <a:r>
@@ -8861,11 +8822,14 @@
           <a:p>
             <a:r>
               <a:rPr lang="es-US" dirty="0" smtClean="0"/>
-              <a:t>Descripción del </a:t>
-            </a:r>
+              <a:t>Origen de los datos</a:t>
+            </a:r>
+            <a:endParaRPr lang="es-US" dirty="0" smtClean="0"/>
+          </a:p>
+          <a:p>
             <a:r>
               <a:rPr lang="es-US" dirty="0" smtClean="0"/>
-              <a:t>problema</a:t>
+              <a:t>Descripción del problema</a:t>
             </a:r>
           </a:p>
           <a:p>
@@ -8873,7 +8837,6 @@
               <a:rPr lang="es-US" dirty="0" smtClean="0"/>
               <a:t>Solución planteada</a:t>
             </a:r>
-            <a:endParaRPr lang="es-US" dirty="0" smtClean="0"/>
           </a:p>
           <a:p>
             <a:r>
@@ -8910,7 +8873,6 @@
               <a:rPr lang="es-US" dirty="0" smtClean="0"/>
               <a:t>Informe detallado</a:t>
             </a:r>
-            <a:endParaRPr lang="es-US" dirty="0" smtClean="0"/>
           </a:p>
           <a:p>
             <a:endParaRPr lang="es-US" dirty="0"/>
@@ -8974,6 +8936,112 @@
           <a:p>
             <a:r>
               <a:rPr lang="es-US" dirty="0" smtClean="0"/>
+              <a:t>Recomendaciones</a:t>
+            </a:r>
+            <a:endParaRPr lang="es-US" dirty="0"/>
+          </a:p>
+        </p:txBody>
+      </p:sp>
+      <p:sp>
+        <p:nvSpPr>
+          <p:cNvPr id="3" name="Marcador de contenido 2"/>
+          <p:cNvSpPr>
+            <a:spLocks noGrp="1"/>
+          </p:cNvSpPr>
+          <p:nvPr>
+            <p:ph idx="1"/>
+          </p:nvPr>
+        </p:nvSpPr>
+        <p:spPr/>
+        <p:txBody>
+          <a:bodyPr/>
+          <a:lstStyle/>
+          <a:p>
+            <a:r>
+              <a:rPr lang="es-US" dirty="0" smtClean="0"/>
+              <a:t>Obtener más muestras para evitar sobreestimación</a:t>
+            </a:r>
+          </a:p>
+          <a:p>
+            <a:r>
+              <a:rPr lang="es-US" dirty="0" smtClean="0"/>
+              <a:t>Analizar el patrón periódico en el </a:t>
+            </a:r>
+            <a:r>
+              <a:rPr lang="es-US" dirty="0" err="1" smtClean="0"/>
+              <a:t>accuracy</a:t>
+            </a:r>
+            <a:r>
+              <a:rPr lang="es-US" dirty="0" smtClean="0"/>
+              <a:t> para el modelo estandarizado</a:t>
+            </a:r>
+          </a:p>
+          <a:p>
+            <a:r>
+              <a:rPr lang="es-US" dirty="0" smtClean="0"/>
+              <a:t>Comparar los resultados con otros modelos</a:t>
+            </a:r>
+            <a:endParaRPr lang="es-US" dirty="0"/>
+          </a:p>
+        </p:txBody>
+      </p:sp>
+    </p:spTree>
+    <p:extLst>
+      <p:ext uri="{BB962C8B-B14F-4D97-AF65-F5344CB8AC3E}">
+        <p14:creationId xmlns:p14="http://schemas.microsoft.com/office/powerpoint/2010/main" val="1094664304"/>
+      </p:ext>
+    </p:extLst>
+  </p:cSld>
+  <p:clrMapOvr>
+    <a:masterClrMapping/>
+  </p:clrMapOvr>
+  <p:transition spd="slow">
+    <p:wipe/>
+  </p:transition>
+  <p:timing>
+    <p:tnLst>
+      <p:par>
+        <p:cTn id="1" dur="indefinite" restart="never" nodeType="tmRoot"/>
+      </p:par>
+    </p:tnLst>
+  </p:timing>
+</p:sld>
+</file>
+
+<file path=ppt/slides/slide21.xml><?xml version="1.0" encoding="utf-8"?>
+<p:sld xmlns:a="http://schemas.openxmlformats.org/drawingml/2006/main" xmlns:r="http://schemas.openxmlformats.org/officeDocument/2006/relationships" xmlns:p="http://schemas.openxmlformats.org/presentationml/2006/main">
+  <p:cSld>
+    <p:spTree>
+      <p:nvGrpSpPr>
+        <p:cNvPr id="1" name=""/>
+        <p:cNvGrpSpPr/>
+        <p:nvPr/>
+      </p:nvGrpSpPr>
+      <p:grpSpPr>
+        <a:xfrm>
+          <a:off x="0" y="0"/>
+          <a:ext cx="0" cy="0"/>
+          <a:chOff x="0" y="0"/>
+          <a:chExt cx="0" cy="0"/>
+        </a:xfrm>
+      </p:grpSpPr>
+      <p:sp>
+        <p:nvSpPr>
+          <p:cNvPr id="2" name="Título 1"/>
+          <p:cNvSpPr>
+            <a:spLocks noGrp="1"/>
+          </p:cNvSpPr>
+          <p:nvPr>
+            <p:ph type="title"/>
+          </p:nvPr>
+        </p:nvSpPr>
+        <p:spPr/>
+        <p:txBody>
+          <a:bodyPr/>
+          <a:lstStyle/>
+          <a:p>
+            <a:r>
+              <a:rPr lang="es-US" dirty="0" smtClean="0"/>
               <a:t>Informe detallado</a:t>
             </a:r>
             <a:endParaRPr lang="es-US" dirty="0"/>
@@ -9086,6 +9154,115 @@
           <a:p>
             <a:r>
               <a:rPr lang="es-US" dirty="0" smtClean="0"/>
+              <a:t>Origen de los datos</a:t>
+            </a:r>
+            <a:endParaRPr lang="es-US" dirty="0"/>
+          </a:p>
+        </p:txBody>
+      </p:sp>
+      <p:sp>
+        <p:nvSpPr>
+          <p:cNvPr id="3" name="Marcador de contenido 2"/>
+          <p:cNvSpPr>
+            <a:spLocks noGrp="1"/>
+          </p:cNvSpPr>
+          <p:nvPr>
+            <p:ph idx="1"/>
+          </p:nvPr>
+        </p:nvSpPr>
+        <p:spPr/>
+        <p:txBody>
+          <a:bodyPr/>
+          <a:lstStyle/>
+          <a:p>
+            <a:r>
+              <a:rPr lang="es-US" dirty="0" smtClean="0"/>
+              <a:t>Los datos fueron obtenidos del repositorio de la Universidad de California, Irvine</a:t>
+            </a:r>
+          </a:p>
+          <a:p>
+            <a:endParaRPr lang="es-US" dirty="0"/>
+          </a:p>
+          <a:p>
+            <a:endParaRPr lang="es-US" dirty="0" smtClean="0"/>
+          </a:p>
+          <a:p>
+            <a:r>
+              <a:rPr lang="es-US" dirty="0">
+                <a:hlinkClick r:id="rId2"/>
+              </a:rPr>
+              <a:t>https://</a:t>
+            </a:r>
+            <a:r>
+              <a:rPr lang="es-US" dirty="0" smtClean="0">
+                <a:hlinkClick r:id="rId2"/>
+              </a:rPr>
+              <a:t>archive.ics.uci.edu/dataset/109/wine</a:t>
+            </a:r>
+            <a:endParaRPr lang="es-US" dirty="0" smtClean="0"/>
+          </a:p>
+          <a:p>
+            <a:endParaRPr lang="es-US" u="sng" dirty="0"/>
+          </a:p>
+        </p:txBody>
+      </p:sp>
+    </p:spTree>
+    <p:extLst>
+      <p:ext uri="{BB962C8B-B14F-4D97-AF65-F5344CB8AC3E}">
+        <p14:creationId xmlns:p14="http://schemas.microsoft.com/office/powerpoint/2010/main" val="871267663"/>
+      </p:ext>
+    </p:extLst>
+  </p:cSld>
+  <p:clrMapOvr>
+    <a:masterClrMapping/>
+  </p:clrMapOvr>
+  <p:transition spd="slow">
+    <p:wipe/>
+  </p:transition>
+  <p:timing>
+    <p:tnLst>
+      <p:par>
+        <p:cTn id="1" dur="indefinite" restart="never" nodeType="tmRoot"/>
+      </p:par>
+    </p:tnLst>
+  </p:timing>
+</p:sld>
+</file>
+
+<file path=ppt/slides/slide4.xml><?xml version="1.0" encoding="utf-8"?>
+<p:sld xmlns:a="http://schemas.openxmlformats.org/drawingml/2006/main" xmlns:r="http://schemas.openxmlformats.org/officeDocument/2006/relationships" xmlns:p="http://schemas.openxmlformats.org/presentationml/2006/main">
+  <p:cSld>
+    <p:spTree>
+      <p:nvGrpSpPr>
+        <p:cNvPr id="1" name=""/>
+        <p:cNvGrpSpPr/>
+        <p:nvPr/>
+      </p:nvGrpSpPr>
+      <p:grpSpPr>
+        <a:xfrm>
+          <a:off x="0" y="0"/>
+          <a:ext cx="0" cy="0"/>
+          <a:chOff x="0" y="0"/>
+          <a:chExt cx="0" cy="0"/>
+        </a:xfrm>
+      </p:grpSpPr>
+      <p:sp>
+        <p:nvSpPr>
+          <p:cNvPr id="2" name="Título 1"/>
+          <p:cNvSpPr>
+            <a:spLocks noGrp="1"/>
+          </p:cNvSpPr>
+          <p:nvPr>
+            <p:ph type="title"/>
+          </p:nvPr>
+        </p:nvSpPr>
+        <p:spPr/>
+        <p:txBody>
+          <a:bodyPr/>
+          <a:lstStyle/>
+          <a:p>
+            <a:r>
+              <a:rPr lang="es-US" dirty="0" smtClean="0"/>
               <a:t>Objetivos</a:t>
             </a:r>
             <a:endParaRPr lang="es-US" dirty="0"/>
@@ -9115,15 +9292,7 @@
           <a:p>
             <a:r>
               <a:rPr lang="es-US" dirty="0" smtClean="0"/>
-              <a:t>Determinar la clase de vino que se está analizando utilizando </a:t>
-            </a:r>
-            <a:r>
-              <a:rPr lang="es-US" dirty="0" smtClean="0"/>
-              <a:t>métodos </a:t>
-            </a:r>
-            <a:r>
-              <a:rPr lang="es-US" dirty="0" smtClean="0"/>
-              <a:t>de Machine </a:t>
+              <a:t>Determinar la clase de vino que se está analizando utilizando métodos de Machine </a:t>
             </a:r>
             <a:r>
               <a:rPr lang="es-US" dirty="0" err="1" smtClean="0"/>
@@ -9201,7 +9370,7 @@
 </p:sld>
 </file>
 
-<file path=ppt/slides/slide4.xml><?xml version="1.0" encoding="utf-8"?>
+<file path=ppt/slides/slide5.xml><?xml version="1.0" encoding="utf-8"?>
 <p:sld xmlns:a="http://schemas.openxmlformats.org/drawingml/2006/main" xmlns:r="http://schemas.openxmlformats.org/officeDocument/2006/relationships" xmlns:p="http://schemas.openxmlformats.org/presentationml/2006/main">
   <p:cSld>
     <p:spTree>
@@ -9267,11 +9436,7 @@
             </a:r>
             <a:r>
               <a:rPr lang="es-US" dirty="0" smtClean="0"/>
-              <a:t> posee vinos que provienen de tres distintos viñedos. </a:t>
-            </a:r>
-            <a:r>
-              <a:rPr lang="es-US" dirty="0" smtClean="0"/>
-              <a:t>En algunos lotes recibidos o almacenados, se tiene dificultades para determinar el lugar de origen de las botellas. Para poder verificar el viñedo de origen del lote, se realizan análisis fisicoquímicos de una muestra de este, y se compara con un patrón de cada uno de los posibles viñedos.</a:t>
+              <a:t> posee vinos que provienen de tres distintos viñedos. En algunos lotes recibidos o almacenados, se tiene dificultades para determinar el lugar de origen de las botellas. Para poder verificar el viñedo de origen del lote, se realizan análisis fisicoquímicos de una muestra de este, y se compara con un patrón de cada uno de los posibles viñedos.</a:t>
             </a:r>
             <a:endParaRPr lang="es-US" dirty="0"/>
           </a:p>
@@ -9287,13 +9452,13 @@
   <p:clrMapOvr>
     <a:masterClrMapping/>
   </p:clrMapOvr>
-  <mc:AlternateContent xmlns:mc="http://schemas.openxmlformats.org/markup-compatibility/2006">
-    <mc:Choice xmlns:p14="http://schemas.microsoft.com/office/powerpoint/2010/main" Requires="p14">
+  <mc:AlternateContent xmlns:mc="http://schemas.openxmlformats.org/markup-compatibility/2006" xmlns:p14="http://schemas.microsoft.com/office/powerpoint/2010/main">
+    <mc:Choice Requires="p14">
       <p:transition spd="slow" p14:dur="1500">
         <p:split orient="vert"/>
       </p:transition>
     </mc:Choice>
-    <mc:Fallback>
+    <mc:Fallback xmlns="">
       <p:transition spd="slow">
         <p:split orient="vert"/>
       </p:transition>
@@ -9309,7 +9474,7 @@
 </p:sld>
 </file>
 
-<file path=ppt/slides/slide5.xml><?xml version="1.0" encoding="utf-8"?>
+<file path=ppt/slides/slide6.xml><?xml version="1.0" encoding="utf-8"?>
 <p:sld xmlns:a="http://schemas.openxmlformats.org/drawingml/2006/main" xmlns:r="http://schemas.openxmlformats.org/officeDocument/2006/relationships" xmlns:p="http://schemas.openxmlformats.org/presentationml/2006/main">
   <p:cSld>
     <p:spTree>
@@ -9396,7 +9561,7 @@
 </p:sld>
 </file>
 
-<file path=ppt/slides/slide6.xml><?xml version="1.0" encoding="utf-8"?>
+<file path=ppt/slides/slide7.xml><?xml version="1.0" encoding="utf-8"?>
 <p:sld xmlns:a="http://schemas.openxmlformats.org/drawingml/2006/main" xmlns:r="http://schemas.openxmlformats.org/officeDocument/2006/relationships" xmlns:p="http://schemas.openxmlformats.org/presentationml/2006/main">
   <p:cSld>
     <p:spTree>
@@ -9526,7 +9691,7 @@
 </p:sld>
 </file>
 
-<file path=ppt/slides/slide7.xml><?xml version="1.0" encoding="utf-8"?>
+<file path=ppt/slides/slide8.xml><?xml version="1.0" encoding="utf-8"?>
 <p:sld xmlns:a="http://schemas.openxmlformats.org/drawingml/2006/main" xmlns:r="http://schemas.openxmlformats.org/officeDocument/2006/relationships" xmlns:p="http://schemas.openxmlformats.org/presentationml/2006/main">
   <p:cSld>
     <p:spTree>
@@ -9619,13 +9784,13 @@
   <p:clrMapOvr>
     <a:masterClrMapping/>
   </p:clrMapOvr>
-  <mc:AlternateContent xmlns:mc="http://schemas.openxmlformats.org/markup-compatibility/2006">
-    <mc:Choice xmlns:p14="http://schemas.microsoft.com/office/powerpoint/2010/main" Requires="p14">
+  <mc:AlternateContent xmlns:mc="http://schemas.openxmlformats.org/markup-compatibility/2006" xmlns:p14="http://schemas.microsoft.com/office/powerpoint/2010/main">
+    <mc:Choice Requires="p14">
       <p:transition spd="slow" p14:dur="1500">
         <p:split orient="vert"/>
       </p:transition>
     </mc:Choice>
-    <mc:Fallback>
+    <mc:Fallback xmlns="">
       <p:transition spd="slow">
         <p:split orient="vert"/>
       </p:transition>
@@ -9641,7 +9806,7 @@
 </p:sld>
 </file>
 
-<file path=ppt/slides/slide8.xml><?xml version="1.0" encoding="utf-8"?>
+<file path=ppt/slides/slide9.xml><?xml version="1.0" encoding="utf-8"?>
 <p:sld xmlns:a="http://schemas.openxmlformats.org/drawingml/2006/main" xmlns:r="http://schemas.openxmlformats.org/officeDocument/2006/relationships" xmlns:p="http://schemas.openxmlformats.org/presentationml/2006/main">
   <p:cSld>
     <p:spTree>
@@ -9732,70 +9897,6 @@
   </p:clrMapOvr>
   <p:transition spd="slow">
     <p:randomBar dir="vert"/>
-  </p:transition>
-  <p:timing>
-    <p:tnLst>
-      <p:par>
-        <p:cTn id="1" dur="indefinite" restart="never" nodeType="tmRoot"/>
-      </p:par>
-    </p:tnLst>
-  </p:timing>
-</p:sld>
-</file>
-
-<file path=ppt/slides/slide9.xml><?xml version="1.0" encoding="utf-8"?>
-<p:sld xmlns:a="http://schemas.openxmlformats.org/drawingml/2006/main" xmlns:r="http://schemas.openxmlformats.org/officeDocument/2006/relationships" xmlns:p="http://schemas.openxmlformats.org/presentationml/2006/main">
-  <p:cSld>
-    <p:spTree>
-      <p:nvGrpSpPr>
-        <p:cNvPr id="1" name=""/>
-        <p:cNvGrpSpPr/>
-        <p:nvPr/>
-      </p:nvGrpSpPr>
-      <p:grpSpPr>
-        <a:xfrm>
-          <a:off x="0" y="0"/>
-          <a:ext cx="0" cy="0"/>
-          <a:chOff x="0" y="0"/>
-          <a:chExt cx="0" cy="0"/>
-        </a:xfrm>
-      </p:grpSpPr>
-      <p:pic>
-        <p:nvPicPr>
-          <p:cNvPr id="2" name="Imagen 1"/>
-          <p:cNvPicPr>
-            <a:picLocks noChangeAspect="1"/>
-          </p:cNvPicPr>
-          <p:nvPr/>
-        </p:nvPicPr>
-        <p:blipFill>
-          <a:blip r:embed="rId2"/>
-          <a:stretch>
-            <a:fillRect/>
-          </a:stretch>
-        </p:blipFill>
-        <p:spPr>
-          <a:xfrm>
-            <a:off x="2699657" y="123888"/>
-            <a:ext cx="6984274" cy="6734112"/>
-          </a:xfrm>
-          <a:prstGeom prst="rect">
-            <a:avLst/>
-          </a:prstGeom>
-        </p:spPr>
-      </p:pic>
-    </p:spTree>
-    <p:extLst>
-      <p:ext uri="{BB962C8B-B14F-4D97-AF65-F5344CB8AC3E}">
-        <p14:creationId xmlns:p14="http://schemas.microsoft.com/office/powerpoint/2010/main" val="3370052930"/>
-      </p:ext>
-    </p:extLst>
-  </p:cSld>
-  <p:clrMapOvr>
-    <a:masterClrMapping/>
-  </p:clrMapOvr>
-  <p:transition spd="slow">
-    <p:cover/>
   </p:transition>
   <p:timing>
     <p:tnLst>
